--- a/35_HOC3.pptx
+++ b/35_HOC3.pptx
@@ -5,7 +5,7 @@
     <p:sldMasterId id="2147483648" r:id="rId1"/>
   </p:sldMasterIdLst>
   <p:notesMasterIdLst>
-    <p:notesMasterId r:id="rId24"/>
+    <p:notesMasterId r:id="rId25"/>
   </p:notesMasterIdLst>
   <p:sldIdLst>
     <p:sldId id="256" r:id="rId2"/>
@@ -29,7 +29,8 @@
     <p:sldId id="299" r:id="rId20"/>
     <p:sldId id="300" r:id="rId21"/>
     <p:sldId id="301" r:id="rId22"/>
-    <p:sldId id="259" r:id="rId23"/>
+    <p:sldId id="303" r:id="rId23"/>
+    <p:sldId id="259" r:id="rId24"/>
   </p:sldIdLst>
   <p:sldSz cx="9144000" cy="6858000" type="screen4x3"/>
   <p:notesSz cx="6858000" cy="9144000"/>
@@ -7292,7 +7293,7 @@
         <p:spPr>
           <a:xfrm>
             <a:off x="467544" y="1340764"/>
-            <a:ext cx="8219256" cy="4032452"/>
+            <a:ext cx="8219256" cy="1368156"/>
           </a:xfrm>
           <a:ln>
             <a:solidFill>
@@ -7315,7 +7316,7 @@
               <a:buChar char="u"/>
             </a:pPr>
             <a:r>
-              <a:rPr lang="en-US" altLang="zh-TW" sz="1800" dirty="0">
+              <a:rPr lang="en-US" altLang="zh-TW" sz="1800" b="1" dirty="0">
                 <a:solidFill>
                   <a:schemeClr val="tx1"/>
                 </a:solidFill>
@@ -7380,127 +7381,6 @@
               </a:rPr>
               <a:t>Specify parameter from HOC argument to click and hover counter</a:t>
             </a:r>
-          </a:p>
-          <a:p>
-            <a:pPr marL="342900" indent="-342900" algn="l">
-              <a:buClr>
-                <a:srgbClr val="0070C0"/>
-              </a:buClr>
-              <a:buSzPct val="80000"/>
-              <a:buFont typeface="Wingdings" pitchFamily="2" charset="2"/>
-              <a:buChar char="u"/>
-            </a:pPr>
-            <a:r>
-              <a:rPr lang="en-US" altLang="zh-TW" sz="1800" dirty="0">
-                <a:solidFill>
-                  <a:schemeClr val="tx1"/>
-                </a:solidFill>
-              </a:rPr>
-              <a:t>You may encounter HOC Pattern in some popular React Libraries, for example, connect HOC in Redux, connect HOC with router in React router, </a:t>
-            </a:r>
-            <a:r>
-              <a:rPr lang="en-US" altLang="zh-TW" sz="1800">
-                <a:solidFill>
-                  <a:schemeClr val="tx1"/>
-                </a:solidFill>
-              </a:rPr>
-              <a:t>connect HOC with </a:t>
-            </a:r>
-            <a:r>
-              <a:rPr lang="en-US" altLang="zh-TW" sz="1800" dirty="0">
-                <a:solidFill>
-                  <a:schemeClr val="tx1"/>
-                </a:solidFill>
-              </a:rPr>
-              <a:t>Styles in Material-UI, and etc.</a:t>
-            </a:r>
-          </a:p>
-          <a:p>
-            <a:pPr marL="800100" lvl="1" indent="-342900" algn="l">
-              <a:buClr>
-                <a:srgbClr val="0070C0"/>
-              </a:buClr>
-              <a:buSzPct val="80000"/>
-              <a:buFont typeface="+mj-lt"/>
-              <a:buAutoNum type="arabicPeriod"/>
-            </a:pPr>
-            <a:r>
-              <a:rPr lang="en-US" altLang="zh-TW" sz="1800" dirty="0">
-                <a:solidFill>
-                  <a:schemeClr val="tx1"/>
-                </a:solidFill>
-              </a:rPr>
-              <a:t>HOC connect React and Redux: </a:t>
-            </a:r>
-            <a:r>
-              <a:rPr lang="en-US" sz="1800" dirty="0">
-                <a:hlinkClick r:id="rId2"/>
-              </a:rPr>
-              <a:t>https://levelup.gitconnected.com/how-to-connect-hoc-with-react-and-redux-2b3bce6a7dbf</a:t>
-            </a:r>
-            <a:endParaRPr lang="en-US" sz="1800" dirty="0"/>
-          </a:p>
-          <a:p>
-            <a:pPr marL="800100" lvl="1" indent="-342900" algn="l">
-              <a:buClr>
-                <a:srgbClr val="0070C0"/>
-              </a:buClr>
-              <a:buSzPct val="80000"/>
-              <a:buFont typeface="+mj-lt"/>
-              <a:buAutoNum type="arabicPeriod"/>
-            </a:pPr>
-            <a:r>
-              <a:rPr lang="en-US" altLang="zh-TW" sz="1800" dirty="0">
-                <a:solidFill>
-                  <a:schemeClr val="tx1"/>
-                </a:solidFill>
-              </a:rPr>
-              <a:t>HOC connect Styles in Material-UI: </a:t>
-            </a:r>
-            <a:r>
-              <a:rPr lang="en-US" sz="1800" dirty="0">
-                <a:hlinkClick r:id="rId3"/>
-              </a:rPr>
-              <a:t>https://stackoverflow.com/questions/50795655/material-ui-how-to-style-an-hoc-using-withstyles</a:t>
-            </a:r>
-            <a:endParaRPr lang="en-US" altLang="zh-TW" sz="1800" dirty="0">
-              <a:solidFill>
-                <a:schemeClr val="tx1"/>
-              </a:solidFill>
-            </a:endParaRPr>
-          </a:p>
-          <a:p>
-            <a:pPr marL="342900" indent="-342900" algn="l">
-              <a:buClr>
-                <a:srgbClr val="0070C0"/>
-              </a:buClr>
-              <a:buSzPct val="80000"/>
-              <a:buFont typeface="Wingdings" pitchFamily="2" charset="2"/>
-              <a:buChar char="u"/>
-            </a:pPr>
-            <a:r>
-              <a:rPr lang="en-US" altLang="zh-TW" sz="1800" dirty="0">
-                <a:solidFill>
-                  <a:schemeClr val="tx1"/>
-                </a:solidFill>
-              </a:rPr>
-              <a:t>They are nice HOC pattern that can be used to share common functionality between React Components. </a:t>
-            </a:r>
-          </a:p>
-          <a:p>
-            <a:pPr marL="342900" indent="-342900" algn="l">
-              <a:buClr>
-                <a:srgbClr val="0070C0"/>
-              </a:buClr>
-              <a:buSzPct val="80000"/>
-              <a:buFont typeface="Wingdings" pitchFamily="2" charset="2"/>
-              <a:buChar char="u"/>
-            </a:pPr>
-            <a:endParaRPr lang="en-US" altLang="zh-TW" sz="1800" dirty="0">
-              <a:solidFill>
-                <a:schemeClr val="tx1"/>
-              </a:solidFill>
-            </a:endParaRPr>
           </a:p>
         </p:txBody>
       </p:sp>
@@ -7555,7 +7435,7 @@
           <a:p>
             <a:r>
               <a:rPr lang="en-US" sz="1600" dirty="0">
-                <a:hlinkClick r:id="rId4"/>
+                <a:hlinkClick r:id="rId2"/>
               </a:rPr>
               <a:t>https://www.youtube.com/watch?v=l8V59zIdBXU&amp;list=PLC3y8-rFHvwgg3vaYJgHGnModB54rxOk3&amp;index=35</a:t>
             </a:r>
@@ -7663,9 +7543,256 @@
         </p:nvSpPr>
         <p:spPr>
           <a:xfrm>
-            <a:off x="0" y="2130425"/>
-            <a:ext cx="9144000" cy="1470025"/>
-          </a:xfrm>
+            <a:off x="0" y="1"/>
+            <a:ext cx="9144000" cy="764704"/>
+          </a:xfrm>
+          <a:gradFill flip="none" rotWithShape="1">
+            <a:gsLst>
+              <a:gs pos="0">
+                <a:srgbClr val="C00000">
+                  <a:shade val="30000"/>
+                  <a:satMod val="115000"/>
+                </a:srgbClr>
+              </a:gs>
+              <a:gs pos="50000">
+                <a:srgbClr val="C00000">
+                  <a:shade val="67500"/>
+                  <a:satMod val="115000"/>
+                </a:srgbClr>
+              </a:gs>
+              <a:gs pos="100000">
+                <a:srgbClr val="C00000">
+                  <a:shade val="100000"/>
+                  <a:satMod val="115000"/>
+                </a:srgbClr>
+              </a:gs>
+            </a:gsLst>
+            <a:path path="circle">
+              <a:fillToRect t="100000" r="100000"/>
+            </a:path>
+            <a:tileRect l="-100000" b="-100000"/>
+          </a:gradFill>
+        </p:spPr>
+        <p:txBody>
+          <a:bodyPr>
+            <a:normAutofit/>
+          </a:bodyPr>
+          <a:lstStyle/>
+          <a:p>
+            <a:pPr algn="l"/>
+            <a:r>
+              <a:rPr lang="en-US" altLang="zh-TW" sz="3200" b="1" dirty="0">
+                <a:solidFill>
+                  <a:srgbClr val="FFFF00"/>
+                </a:solidFill>
+              </a:rPr>
+              <a:t>35.5 Summary of Passing Parameters in HOC</a:t>
+            </a:r>
+            <a:endParaRPr lang="zh-TW" altLang="en-US" sz="3200" b="1" dirty="0">
+              <a:solidFill>
+                <a:srgbClr val="FFFF00"/>
+              </a:solidFill>
+            </a:endParaRPr>
+          </a:p>
+        </p:txBody>
+      </p:sp>
+      <p:sp>
+        <p:nvSpPr>
+          <p:cNvPr id="3" name="副標題 2"/>
+          <p:cNvSpPr>
+            <a:spLocks noGrp="1"/>
+          </p:cNvSpPr>
+          <p:nvPr>
+            <p:ph type="subTitle" idx="1"/>
+          </p:nvPr>
+        </p:nvSpPr>
+        <p:spPr>
+          <a:xfrm>
+            <a:off x="467544" y="1340764"/>
+            <a:ext cx="8219256" cy="4176468"/>
+          </a:xfrm>
+          <a:ln>
+            <a:solidFill>
+              <a:srgbClr val="C00000"/>
+            </a:solidFill>
+          </a:ln>
+        </p:spPr>
+        <p:txBody>
+          <a:bodyPr>
+            <a:noAutofit/>
+          </a:bodyPr>
+          <a:lstStyle/>
+          <a:p>
+            <a:pPr marL="342900" indent="-342900" algn="l">
+              <a:buClr>
+                <a:srgbClr val="0070C0"/>
+              </a:buClr>
+              <a:buSzPct val="80000"/>
+              <a:buFont typeface="Wingdings" pitchFamily="2" charset="2"/>
+              <a:buChar char="u"/>
+            </a:pPr>
+            <a:r>
+              <a:rPr lang="en-US" altLang="zh-TW" sz="1800" b="1" dirty="0">
+                <a:solidFill>
+                  <a:schemeClr val="tx1"/>
+                </a:solidFill>
+                <a:latin typeface="+mj-lt"/>
+              </a:rPr>
+              <a:t>Summary of Passing Parameters in HOC</a:t>
+            </a:r>
+          </a:p>
+          <a:p>
+            <a:pPr marL="342900" indent="-342900" algn="l">
+              <a:buClr>
+                <a:srgbClr val="0070C0"/>
+              </a:buClr>
+              <a:buSzPct val="80000"/>
+              <a:buFont typeface="Wingdings" pitchFamily="2" charset="2"/>
+              <a:buChar char="u"/>
+            </a:pPr>
+            <a:r>
+              <a:rPr lang="en-US" altLang="zh-TW" sz="1800" dirty="0">
+                <a:solidFill>
+                  <a:schemeClr val="tx1"/>
+                </a:solidFill>
+              </a:rPr>
+              <a:t>You may encounter HOC Pattern in some popular React Libraries, for example, connect HOC in Redux, Authorized routes with HOC with router in React Router, connect HOC with Styles in Material-UI, and etc.</a:t>
+            </a:r>
+          </a:p>
+          <a:p>
+            <a:pPr marL="800100" lvl="1" indent="-342900" algn="l">
+              <a:buClr>
+                <a:srgbClr val="0070C0"/>
+              </a:buClr>
+              <a:buSzPct val="80000"/>
+              <a:buFont typeface="+mj-lt"/>
+              <a:buAutoNum type="arabicPeriod"/>
+            </a:pPr>
+            <a:r>
+              <a:rPr lang="en-US" altLang="zh-TW" sz="1800" dirty="0">
+                <a:solidFill>
+                  <a:schemeClr val="tx1"/>
+                </a:solidFill>
+              </a:rPr>
+              <a:t>HOC connect React and Redux: </a:t>
+            </a:r>
+            <a:r>
+              <a:rPr lang="en-US" sz="1800" dirty="0">
+                <a:hlinkClick r:id="rId2"/>
+              </a:rPr>
+              <a:t>https://levelup.gitconnected.com/how-to-connect-hoc-with-react-and-redux-2b3bce6a7dbf</a:t>
+            </a:r>
+            <a:endParaRPr lang="en-US" sz="1800" dirty="0"/>
+          </a:p>
+          <a:p>
+            <a:pPr marL="800100" lvl="1" indent="-342900" algn="l">
+              <a:buClr>
+                <a:srgbClr val="0070C0"/>
+              </a:buClr>
+              <a:buSzPct val="80000"/>
+              <a:buFont typeface="+mj-lt"/>
+              <a:buAutoNum type="arabicPeriod"/>
+            </a:pPr>
+            <a:r>
+              <a:rPr lang="en-US" altLang="zh-TW" sz="1800" dirty="0">
+                <a:solidFill>
+                  <a:schemeClr val="tx1"/>
+                </a:solidFill>
+              </a:rPr>
+              <a:t>Authorized routes with HOC with router in React Router: </a:t>
+            </a:r>
+            <a:r>
+              <a:rPr lang="en-US" sz="1800" dirty="0">
+                <a:hlinkClick r:id="rId3"/>
+              </a:rPr>
+              <a:t>https://stackoverflow.com/questions/50795655/material-ui-how-to-style-an-hoc-using-withstyles</a:t>
+            </a:r>
+            <a:endParaRPr lang="en-US" altLang="zh-TW" sz="1800" dirty="0">
+              <a:solidFill>
+                <a:schemeClr val="tx1"/>
+              </a:solidFill>
+            </a:endParaRPr>
+          </a:p>
+          <a:p>
+            <a:pPr marL="800100" lvl="1" indent="-342900" algn="l">
+              <a:buClr>
+                <a:srgbClr val="0070C0"/>
+              </a:buClr>
+              <a:buSzPct val="80000"/>
+              <a:buFont typeface="+mj-lt"/>
+              <a:buAutoNum type="arabicPeriod"/>
+            </a:pPr>
+            <a:r>
+              <a:rPr lang="en-US" altLang="zh-TW" sz="1800" dirty="0">
+                <a:solidFill>
+                  <a:schemeClr val="tx1"/>
+                </a:solidFill>
+              </a:rPr>
+              <a:t>HOC connect Styles in Material-UI: </a:t>
+            </a:r>
+            <a:r>
+              <a:rPr lang="en-US" sz="1800" dirty="0">
+                <a:hlinkClick r:id="rId3"/>
+              </a:rPr>
+              <a:t>https://stackoverflow.com/questions/50795655/material-ui-how-to-style-an-hoc-using-withstyles</a:t>
+            </a:r>
+            <a:endParaRPr lang="en-US" altLang="zh-TW" sz="1800" dirty="0">
+              <a:solidFill>
+                <a:schemeClr val="tx1"/>
+              </a:solidFill>
+            </a:endParaRPr>
+          </a:p>
+          <a:p>
+            <a:pPr marL="342900" indent="-342900" algn="l">
+              <a:buClr>
+                <a:srgbClr val="0070C0"/>
+              </a:buClr>
+              <a:buSzPct val="80000"/>
+              <a:buFont typeface="Wingdings" pitchFamily="2" charset="2"/>
+              <a:buChar char="u"/>
+            </a:pPr>
+            <a:r>
+              <a:rPr lang="en-US" altLang="zh-TW" sz="1800" dirty="0">
+                <a:solidFill>
+                  <a:schemeClr val="tx1"/>
+                </a:solidFill>
+              </a:rPr>
+              <a:t>They are nice HOC pattern that can be used to share common functionality between React Components. </a:t>
+            </a:r>
+          </a:p>
+          <a:p>
+            <a:pPr marL="342900" indent="-342900" algn="l">
+              <a:buClr>
+                <a:srgbClr val="0070C0"/>
+              </a:buClr>
+              <a:buSzPct val="80000"/>
+              <a:buFont typeface="Wingdings" pitchFamily="2" charset="2"/>
+              <a:buChar char="u"/>
+            </a:pPr>
+            <a:endParaRPr lang="en-US" altLang="zh-TW" sz="1800" dirty="0">
+              <a:solidFill>
+                <a:schemeClr val="tx1"/>
+              </a:solidFill>
+            </a:endParaRPr>
+          </a:p>
+        </p:txBody>
+      </p:sp>
+      <p:sp>
+        <p:nvSpPr>
+          <p:cNvPr id="4" name="標題 1"/>
+          <p:cNvSpPr txBox="1">
+            <a:spLocks/>
+          </p:cNvSpPr>
+          <p:nvPr/>
+        </p:nvSpPr>
+        <p:spPr>
+          <a:xfrm>
+            <a:off x="0" y="764704"/>
+            <a:ext cx="9144000" cy="398616"/>
+          </a:xfrm>
+          <a:prstGeom prst="rect">
+            <a:avLst/>
+          </a:prstGeom>
           <a:gradFill flip="none" rotWithShape="1">
             <a:gsLst>
               <a:gs pos="0">
@@ -7694,6 +7821,152 @@
           </a:gradFill>
         </p:spPr>
         <p:txBody>
+          <a:bodyPr vert="horz" lIns="91440" tIns="45720" rIns="91440" bIns="45720" rtlCol="0" anchor="ctr">
+            <a:normAutofit/>
+          </a:bodyPr>
+          <a:lstStyle/>
+          <a:p>
+            <a:r>
+              <a:rPr lang="en-US" sz="1600" dirty="0">
+                <a:hlinkClick r:id="rId4"/>
+              </a:rPr>
+              <a:t>https://www.youtube.com/watch?v=l8V59zIdBXU&amp;list=PLC3y8-rFHvwgg3vaYJgHGnModB54rxOk3&amp;index=35</a:t>
+            </a:r>
+            <a:endParaRPr lang="en-US" altLang="zh-TW" sz="1600" b="1" i="1" dirty="0"/>
+          </a:p>
+        </p:txBody>
+      </p:sp>
+      <p:sp>
+        <p:nvSpPr>
+          <p:cNvPr id="5" name="日期版面配置區 4"/>
+          <p:cNvSpPr>
+            <a:spLocks noGrp="1"/>
+          </p:cNvSpPr>
+          <p:nvPr>
+            <p:ph type="dt" sz="half" idx="10"/>
+          </p:nvPr>
+        </p:nvSpPr>
+        <p:spPr>
+          <a:xfrm>
+            <a:off x="457200" y="6356350"/>
+            <a:ext cx="2133600" cy="404246"/>
+          </a:xfrm>
+        </p:spPr>
+        <p:txBody>
+          <a:bodyPr/>
+          <a:lstStyle/>
+          <a:p>
+            <a:fld id="{A4F910E6-8D00-4BAF-8C48-9688E0B449D3}" type="datetime1">
+              <a:rPr lang="zh-TW" altLang="en-US" smtClean="0"/>
+              <a:pPr/>
+              <a:t>2020/5/24</a:t>
+            </a:fld>
+            <a:endParaRPr lang="zh-TW" altLang="en-US"/>
+          </a:p>
+        </p:txBody>
+      </p:sp>
+      <p:sp>
+        <p:nvSpPr>
+          <p:cNvPr id="6" name="投影片編號版面配置區 5"/>
+          <p:cNvSpPr>
+            <a:spLocks noGrp="1"/>
+          </p:cNvSpPr>
+          <p:nvPr>
+            <p:ph type="sldNum" sz="quarter" idx="12"/>
+          </p:nvPr>
+        </p:nvSpPr>
+        <p:spPr>
+          <a:xfrm>
+            <a:off x="6553200" y="6356350"/>
+            <a:ext cx="2133600" cy="404246"/>
+          </a:xfrm>
+        </p:spPr>
+        <p:txBody>
+          <a:bodyPr/>
+          <a:lstStyle/>
+          <a:p>
+            <a:fld id="{E4D7E63D-91F2-4366-A2C4-1B00C9E2590E}" type="slidenum">
+              <a:rPr lang="zh-TW" altLang="en-US" smtClean="0"/>
+              <a:pPr/>
+              <a:t>22</a:t>
+            </a:fld>
+            <a:endParaRPr lang="zh-TW" altLang="en-US"/>
+          </a:p>
+        </p:txBody>
+      </p:sp>
+    </p:spTree>
+    <p:extLst>
+      <p:ext uri="{BB962C8B-B14F-4D97-AF65-F5344CB8AC3E}">
+        <p14:creationId xmlns:p14="http://schemas.microsoft.com/office/powerpoint/2010/main" val="361927000"/>
+      </p:ext>
+    </p:extLst>
+  </p:cSld>
+  <p:clrMapOvr>
+    <a:masterClrMapping/>
+  </p:clrMapOvr>
+</p:sld>
+</file>
+
+<file path=ppt/slides/slide23.xml><?xml version="1.0" encoding="utf-8"?>
+<p:sld xmlns:a="http://schemas.openxmlformats.org/drawingml/2006/main" xmlns:r="http://schemas.openxmlformats.org/officeDocument/2006/relationships" xmlns:p="http://schemas.openxmlformats.org/presentationml/2006/main">
+  <p:cSld>
+    <p:spTree>
+      <p:nvGrpSpPr>
+        <p:cNvPr id="1" name=""/>
+        <p:cNvGrpSpPr/>
+        <p:nvPr/>
+      </p:nvGrpSpPr>
+      <p:grpSpPr>
+        <a:xfrm>
+          <a:off x="0" y="0"/>
+          <a:ext cx="0" cy="0"/>
+          <a:chOff x="0" y="0"/>
+          <a:chExt cx="0" cy="0"/>
+        </a:xfrm>
+      </p:grpSpPr>
+      <p:sp>
+        <p:nvSpPr>
+          <p:cNvPr id="2" name="標題 1"/>
+          <p:cNvSpPr>
+            <a:spLocks noGrp="1"/>
+          </p:cNvSpPr>
+          <p:nvPr>
+            <p:ph type="ctrTitle"/>
+          </p:nvPr>
+        </p:nvSpPr>
+        <p:spPr>
+          <a:xfrm>
+            <a:off x="0" y="2130425"/>
+            <a:ext cx="9144000" cy="1470025"/>
+          </a:xfrm>
+          <a:gradFill flip="none" rotWithShape="1">
+            <a:gsLst>
+              <a:gs pos="0">
+                <a:srgbClr val="00B0F0">
+                  <a:shade val="30000"/>
+                  <a:satMod val="115000"/>
+                </a:srgbClr>
+              </a:gs>
+              <a:gs pos="50000">
+                <a:srgbClr val="00B0F0">
+                  <a:shade val="67500"/>
+                  <a:satMod val="115000"/>
+                </a:srgbClr>
+              </a:gs>
+              <a:gs pos="100000">
+                <a:srgbClr val="00B0F0">
+                  <a:shade val="100000"/>
+                  <a:satMod val="115000"/>
+                </a:srgbClr>
+              </a:gs>
+            </a:gsLst>
+            <a:path path="circle">
+              <a:fillToRect t="100000" r="100000"/>
+            </a:path>
+            <a:tileRect l="-100000" b="-100000"/>
+          </a:gradFill>
+        </p:spPr>
+        <p:txBody>
           <a:bodyPr>
             <a:normAutofit/>
           </a:bodyPr>
@@ -7757,7 +8030,7 @@
             <a:fld id="{E4D7E63D-91F2-4366-A2C4-1B00C9E2590E}" type="slidenum">
               <a:rPr lang="zh-TW" altLang="en-US" smtClean="0"/>
               <a:pPr/>
-              <a:t>22</a:t>
+              <a:t>23</a:t>
             </a:fld>
             <a:endParaRPr lang="zh-TW" altLang="en-US"/>
           </a:p>

--- a/35_HOC3.pptx
+++ b/35_HOC3.pptx
@@ -231,7 +231,7 @@
             <a:fld id="{6837EDA8-41C8-4B24-A206-13C08A65A6D7}" type="datetimeFigureOut">
               <a:rPr lang="zh-TW" altLang="en-US" smtClean="0"/>
               <a:pPr/>
-              <a:t>2020/5/24</a:t>
+              <a:t>2020/5/25</a:t>
             </a:fld>
             <a:endParaRPr lang="zh-TW" altLang="en-US"/>
           </a:p>
@@ -684,7 +684,7 @@
             <a:fld id="{8B85509C-BD4F-47BF-9B1E-FC2E949B3621}" type="datetime1">
               <a:rPr lang="zh-TW" altLang="en-US" smtClean="0"/>
               <a:pPr/>
-              <a:t>2020/5/24</a:t>
+              <a:t>2020/5/25</a:t>
             </a:fld>
             <a:endParaRPr lang="zh-TW" altLang="en-US"/>
           </a:p>
@@ -857,7 +857,7 @@
             <a:fld id="{42251B24-F787-4C15-8A0F-7AEC20C70069}" type="datetime1">
               <a:rPr lang="zh-TW" altLang="en-US" smtClean="0"/>
               <a:pPr/>
-              <a:t>2020/5/24</a:t>
+              <a:t>2020/5/25</a:t>
             </a:fld>
             <a:endParaRPr lang="zh-TW" altLang="en-US"/>
           </a:p>
@@ -1032,7 +1032,7 @@
             <a:fld id="{9CA0D33C-CE2B-45F1-B8D4-FFD1F131F331}" type="datetime1">
               <a:rPr lang="zh-TW" altLang="en-US" smtClean="0"/>
               <a:pPr/>
-              <a:t>2020/5/24</a:t>
+              <a:t>2020/5/25</a:t>
             </a:fld>
             <a:endParaRPr lang="zh-TW" altLang="en-US"/>
           </a:p>
@@ -1197,7 +1197,7 @@
             <a:fld id="{50B99440-D9EF-40CC-9B52-F6428D9B2C76}" type="datetime1">
               <a:rPr lang="zh-TW" altLang="en-US" smtClean="0"/>
               <a:pPr/>
-              <a:t>2020/5/24</a:t>
+              <a:t>2020/5/25</a:t>
             </a:fld>
             <a:endParaRPr lang="zh-TW" altLang="en-US"/>
           </a:p>
@@ -1439,7 +1439,7 @@
             <a:fld id="{0871BF52-5C6C-4959-8E27-CECB68D39FE4}" type="datetime1">
               <a:rPr lang="zh-TW" altLang="en-US" smtClean="0"/>
               <a:pPr/>
-              <a:t>2020/5/24</a:t>
+              <a:t>2020/5/25</a:t>
             </a:fld>
             <a:endParaRPr lang="zh-TW" altLang="en-US"/>
           </a:p>
@@ -1721,7 +1721,7 @@
             <a:fld id="{DF863F05-2DD9-4EB1-A827-12FD992DE9DC}" type="datetime1">
               <a:rPr lang="zh-TW" altLang="en-US" smtClean="0"/>
               <a:pPr/>
-              <a:t>2020/5/24</a:t>
+              <a:t>2020/5/25</a:t>
             </a:fld>
             <a:endParaRPr lang="zh-TW" altLang="en-US"/>
           </a:p>
@@ -2137,7 +2137,7 @@
             <a:fld id="{6339AF51-4491-4873-A096-75DB6CE47516}" type="datetime1">
               <a:rPr lang="zh-TW" altLang="en-US" smtClean="0"/>
               <a:pPr/>
-              <a:t>2020/5/24</a:t>
+              <a:t>2020/5/25</a:t>
             </a:fld>
             <a:endParaRPr lang="zh-TW" altLang="en-US"/>
           </a:p>
@@ -2251,7 +2251,7 @@
             <a:fld id="{EE4AD9C8-8B9E-40FF-ABE2-858AC2057BBB}" type="datetime1">
               <a:rPr lang="zh-TW" altLang="en-US" smtClean="0"/>
               <a:pPr/>
-              <a:t>2020/5/24</a:t>
+              <a:t>2020/5/25</a:t>
             </a:fld>
             <a:endParaRPr lang="zh-TW" altLang="en-US"/>
           </a:p>
@@ -2343,7 +2343,7 @@
             <a:fld id="{B4784999-BBBE-4BE4-A8D0-877E7D1D66CC}" type="datetime1">
               <a:rPr lang="zh-TW" altLang="en-US" smtClean="0"/>
               <a:pPr/>
-              <a:t>2020/5/24</a:t>
+              <a:t>2020/5/25</a:t>
             </a:fld>
             <a:endParaRPr lang="zh-TW" altLang="en-US"/>
           </a:p>
@@ -2615,7 +2615,7 @@
             <a:fld id="{E88D17E6-02BD-4944-B9FE-7BFCCBF83D48}" type="datetime1">
               <a:rPr lang="zh-TW" altLang="en-US" smtClean="0"/>
               <a:pPr/>
-              <a:t>2020/5/24</a:t>
+              <a:t>2020/5/25</a:t>
             </a:fld>
             <a:endParaRPr lang="zh-TW" altLang="en-US"/>
           </a:p>
@@ -2864,7 +2864,7 @@
             <a:fld id="{3C13E23D-1FEF-4D78-A3A3-3D6F2BB31954}" type="datetime1">
               <a:rPr lang="zh-TW" altLang="en-US" smtClean="0"/>
               <a:pPr/>
-              <a:t>2020/5/24</a:t>
+              <a:t>2020/5/25</a:t>
             </a:fld>
             <a:endParaRPr lang="zh-TW" altLang="en-US"/>
           </a:p>
@@ -3072,7 +3072,7 @@
             <a:fld id="{06197F35-AD6F-4594-8B50-334492D2E7E8}" type="datetime1">
               <a:rPr lang="zh-TW" altLang="en-US" smtClean="0"/>
               <a:pPr/>
-              <a:t>2020/5/24</a:t>
+              <a:t>2020/5/25</a:t>
             </a:fld>
             <a:endParaRPr lang="zh-TW" altLang="en-US"/>
           </a:p>
@@ -3533,7 +3533,7 @@
             <a:fld id="{C389EDC9-19E3-47AC-9C57-C6A24DEA81AD}" type="datetime1">
               <a:rPr lang="zh-TW" altLang="en-US" smtClean="0"/>
               <a:pPr/>
-              <a:t>2020/5/24</a:t>
+              <a:t>2020/5/25</a:t>
             </a:fld>
             <a:endParaRPr lang="zh-TW" altLang="en-US"/>
           </a:p>
@@ -3679,7 +3679,7 @@
             <a:fld id="{C389EDC9-19E3-47AC-9C57-C6A24DEA81AD}" type="datetime1">
               <a:rPr lang="zh-TW" altLang="en-US" smtClean="0"/>
               <a:pPr/>
-              <a:t>2020/5/24</a:t>
+              <a:t>2020/5/25</a:t>
             </a:fld>
             <a:endParaRPr lang="zh-TW" altLang="en-US"/>
           </a:p>
@@ -4000,7 +4000,7 @@
             <a:fld id="{A4F910E6-8D00-4BAF-8C48-9688E0B449D3}" type="datetime1">
               <a:rPr lang="zh-TW" altLang="en-US" smtClean="0"/>
               <a:pPr/>
-              <a:t>2020/5/24</a:t>
+              <a:t>2020/5/25</a:t>
             </a:fld>
             <a:endParaRPr lang="zh-TW" altLang="en-US"/>
           </a:p>
@@ -4435,7 +4435,7 @@
             <a:fld id="{A4F910E6-8D00-4BAF-8C48-9688E0B449D3}" type="datetime1">
               <a:rPr lang="zh-TW" altLang="en-US" smtClean="0"/>
               <a:pPr/>
-              <a:t>2020/5/24</a:t>
+              <a:t>2020/5/25</a:t>
             </a:fld>
             <a:endParaRPr lang="zh-TW" altLang="en-US"/>
           </a:p>
@@ -4819,7 +4819,7 @@
             <a:fld id="{A4F910E6-8D00-4BAF-8C48-9688E0B449D3}" type="datetime1">
               <a:rPr lang="zh-TW" altLang="en-US" smtClean="0"/>
               <a:pPr/>
-              <a:t>2020/5/24</a:t>
+              <a:t>2020/5/25</a:t>
             </a:fld>
             <a:endParaRPr lang="zh-TW" altLang="en-US"/>
           </a:p>
@@ -5047,7 +5047,7 @@
             <a:fld id="{C389EDC9-19E3-47AC-9C57-C6A24DEA81AD}" type="datetime1">
               <a:rPr lang="zh-TW" altLang="en-US" smtClean="0"/>
               <a:pPr/>
-              <a:t>2020/5/24</a:t>
+              <a:t>2020/5/25</a:t>
             </a:fld>
             <a:endParaRPr lang="zh-TW" altLang="en-US"/>
           </a:p>
@@ -5444,7 +5444,7 @@
             <a:fld id="{A4F910E6-8D00-4BAF-8C48-9688E0B449D3}" type="datetime1">
               <a:rPr lang="zh-TW" altLang="en-US" smtClean="0"/>
               <a:pPr/>
-              <a:t>2020/5/24</a:t>
+              <a:t>2020/5/25</a:t>
             </a:fld>
             <a:endParaRPr lang="zh-TW" altLang="en-US"/>
           </a:p>
@@ -5842,7 +5842,7 @@
             <a:fld id="{A4F910E6-8D00-4BAF-8C48-9688E0B449D3}" type="datetime1">
               <a:rPr lang="zh-TW" altLang="en-US" smtClean="0"/>
               <a:pPr/>
-              <a:t>2020/5/24</a:t>
+              <a:t>2020/5/25</a:t>
             </a:fld>
             <a:endParaRPr lang="zh-TW" altLang="en-US"/>
           </a:p>
@@ -6188,7 +6188,7 @@
             <a:fld id="{A4F910E6-8D00-4BAF-8C48-9688E0B449D3}" type="datetime1">
               <a:rPr lang="zh-TW" altLang="en-US" smtClean="0"/>
               <a:pPr/>
-              <a:t>2020/5/24</a:t>
+              <a:t>2020/5/25</a:t>
             </a:fld>
             <a:endParaRPr lang="zh-TW" altLang="en-US"/>
           </a:p>
@@ -6364,7 +6364,7 @@
             <a:fld id="{C389EDC9-19E3-47AC-9C57-C6A24DEA81AD}" type="datetime1">
               <a:rPr lang="zh-TW" altLang="en-US" smtClean="0"/>
               <a:pPr/>
-              <a:t>2020/5/24</a:t>
+              <a:t>2020/5/25</a:t>
             </a:fld>
             <a:endParaRPr lang="zh-TW" altLang="en-US"/>
           </a:p>
@@ -6650,7 +6650,7 @@
             <a:fld id="{A4F910E6-8D00-4BAF-8C48-9688E0B449D3}" type="datetime1">
               <a:rPr lang="zh-TW" altLang="en-US" smtClean="0"/>
               <a:pPr/>
-              <a:t>2020/5/24</a:t>
+              <a:t>2020/5/25</a:t>
             </a:fld>
             <a:endParaRPr lang="zh-TW" altLang="en-US"/>
           </a:p>
@@ -6999,7 +6999,7 @@
             <a:fld id="{A4F910E6-8D00-4BAF-8C48-9688E0B449D3}" type="datetime1">
               <a:rPr lang="zh-TW" altLang="en-US" smtClean="0"/>
               <a:pPr/>
-              <a:t>2020/5/24</a:t>
+              <a:t>2020/5/25</a:t>
             </a:fld>
             <a:endParaRPr lang="zh-TW" altLang="en-US"/>
           </a:p>
@@ -7123,7 +7123,7 @@
             <a:fld id="{C389EDC9-19E3-47AC-9C57-C6A24DEA81AD}" type="datetime1">
               <a:rPr lang="zh-TW" altLang="en-US" smtClean="0"/>
               <a:pPr/>
-              <a:t>2020/5/24</a:t>
+              <a:t>2020/5/25</a:t>
             </a:fld>
             <a:endParaRPr lang="zh-TW" altLang="en-US"/>
           </a:p>
@@ -7466,7 +7466,7 @@
             <a:fld id="{A4F910E6-8D00-4BAF-8C48-9688E0B449D3}" type="datetime1">
               <a:rPr lang="zh-TW" altLang="en-US" smtClean="0"/>
               <a:pPr/>
-              <a:t>2020/5/24</a:t>
+              <a:t>2020/5/25</a:t>
             </a:fld>
             <a:endParaRPr lang="zh-TW" altLang="en-US"/>
           </a:p>
@@ -7498,6 +7498,654 @@
               <a:t>21</a:t>
             </a:fld>
             <a:endParaRPr lang="zh-TW" altLang="en-US"/>
+          </a:p>
+        </p:txBody>
+      </p:sp>
+      <p:pic>
+        <p:nvPicPr>
+          <p:cNvPr id="7" name="Picture 6">
+            <a:extLst>
+              <a:ext uri="{FF2B5EF4-FFF2-40B4-BE49-F238E27FC236}">
+                <a16:creationId xmlns:a16="http://schemas.microsoft.com/office/drawing/2014/main" id="{3A1641F0-6CB0-49B4-AC1E-449D9064DB4A}"/>
+              </a:ext>
+            </a:extLst>
+          </p:cNvPr>
+          <p:cNvPicPr>
+            <a:picLocks noChangeAspect="1"/>
+          </p:cNvPicPr>
+          <p:nvPr/>
+        </p:nvPicPr>
+        <p:blipFill>
+          <a:blip r:embed="rId3"/>
+          <a:stretch>
+            <a:fillRect/>
+          </a:stretch>
+        </p:blipFill>
+        <p:spPr>
+          <a:xfrm>
+            <a:off x="467544" y="2886364"/>
+            <a:ext cx="2687630" cy="2144563"/>
+          </a:xfrm>
+          <a:prstGeom prst="rect">
+            <a:avLst/>
+          </a:prstGeom>
+          <a:ln>
+            <a:solidFill>
+              <a:srgbClr val="C00000"/>
+            </a:solidFill>
+          </a:ln>
+        </p:spPr>
+      </p:pic>
+      <p:sp>
+        <p:nvSpPr>
+          <p:cNvPr id="8" name="Rectangle 7">
+            <a:extLst>
+              <a:ext uri="{FF2B5EF4-FFF2-40B4-BE49-F238E27FC236}">
+                <a16:creationId xmlns:a16="http://schemas.microsoft.com/office/drawing/2014/main" id="{37A95B6D-B527-478D-A869-712F1AEAEE4C}"/>
+              </a:ext>
+            </a:extLst>
+          </p:cNvPr>
+          <p:cNvSpPr/>
+          <p:nvPr/>
+        </p:nvSpPr>
+        <p:spPr>
+          <a:xfrm>
+            <a:off x="1115616" y="4128389"/>
+            <a:ext cx="1475184" cy="283746"/>
+          </a:xfrm>
+          <a:prstGeom prst="rect">
+            <a:avLst/>
+          </a:prstGeom>
+          <a:noFill/>
+          <a:ln>
+            <a:solidFill>
+              <a:srgbClr val="C00000"/>
+            </a:solidFill>
+          </a:ln>
+        </p:spPr>
+        <p:style>
+          <a:lnRef idx="2">
+            <a:schemeClr val="accent1">
+              <a:shade val="50000"/>
+            </a:schemeClr>
+          </a:lnRef>
+          <a:fillRef idx="1">
+            <a:schemeClr val="accent1"/>
+          </a:fillRef>
+          <a:effectRef idx="0">
+            <a:schemeClr val="accent1"/>
+          </a:effectRef>
+          <a:fontRef idx="minor">
+            <a:schemeClr val="lt1"/>
+          </a:fontRef>
+        </p:style>
+        <p:txBody>
+          <a:bodyPr rtlCol="0" anchor="ctr"/>
+          <a:lstStyle/>
+          <a:p>
+            <a:pPr algn="ctr"/>
+            <a:endParaRPr lang="en-US"/>
+          </a:p>
+        </p:txBody>
+      </p:sp>
+      <p:pic>
+        <p:nvPicPr>
+          <p:cNvPr id="9" name="Picture 8">
+            <a:extLst>
+              <a:ext uri="{FF2B5EF4-FFF2-40B4-BE49-F238E27FC236}">
+                <a16:creationId xmlns:a16="http://schemas.microsoft.com/office/drawing/2014/main" id="{F2B19931-4773-4601-9DD3-19F0A346AB6D}"/>
+              </a:ext>
+            </a:extLst>
+          </p:cNvPr>
+          <p:cNvPicPr>
+            <a:picLocks noChangeAspect="1"/>
+          </p:cNvPicPr>
+          <p:nvPr/>
+        </p:nvPicPr>
+        <p:blipFill>
+          <a:blip r:embed="rId4"/>
+          <a:stretch>
+            <a:fillRect/>
+          </a:stretch>
+        </p:blipFill>
+        <p:spPr>
+          <a:xfrm>
+            <a:off x="3423816" y="2815591"/>
+            <a:ext cx="2198938" cy="1717043"/>
+          </a:xfrm>
+          <a:prstGeom prst="rect">
+            <a:avLst/>
+          </a:prstGeom>
+          <a:ln>
+            <a:solidFill>
+              <a:srgbClr val="C00000"/>
+            </a:solidFill>
+          </a:ln>
+        </p:spPr>
+      </p:pic>
+      <p:pic>
+        <p:nvPicPr>
+          <p:cNvPr id="10" name="Picture 9">
+            <a:extLst>
+              <a:ext uri="{FF2B5EF4-FFF2-40B4-BE49-F238E27FC236}">
+                <a16:creationId xmlns:a16="http://schemas.microsoft.com/office/drawing/2014/main" id="{578DF3B2-AAA3-4F9C-91C6-9A36A9A87577}"/>
+              </a:ext>
+            </a:extLst>
+          </p:cNvPr>
+          <p:cNvPicPr>
+            <a:picLocks noChangeAspect="1"/>
+          </p:cNvPicPr>
+          <p:nvPr/>
+        </p:nvPicPr>
+        <p:blipFill>
+          <a:blip r:embed="rId5"/>
+          <a:stretch>
+            <a:fillRect/>
+          </a:stretch>
+        </p:blipFill>
+        <p:spPr>
+          <a:xfrm>
+            <a:off x="3347864" y="4797152"/>
+            <a:ext cx="2274890" cy="1729669"/>
+          </a:xfrm>
+          <a:prstGeom prst="rect">
+            <a:avLst/>
+          </a:prstGeom>
+          <a:ln>
+            <a:solidFill>
+              <a:srgbClr val="C00000"/>
+            </a:solidFill>
+          </a:ln>
+        </p:spPr>
+      </p:pic>
+      <p:cxnSp>
+        <p:nvCxnSpPr>
+          <p:cNvPr id="12" name="Straight Arrow Connector 11">
+            <a:extLst>
+              <a:ext uri="{FF2B5EF4-FFF2-40B4-BE49-F238E27FC236}">
+                <a16:creationId xmlns:a16="http://schemas.microsoft.com/office/drawing/2014/main" id="{2CE7337A-B1E9-4AA9-B30B-2B96CB866110}"/>
+              </a:ext>
+            </a:extLst>
+          </p:cNvPr>
+          <p:cNvCxnSpPr>
+            <a:stCxn id="8" idx="3"/>
+            <a:endCxn id="9" idx="1"/>
+          </p:cNvCxnSpPr>
+          <p:nvPr/>
+        </p:nvCxnSpPr>
+        <p:spPr>
+          <a:xfrm flipV="1">
+            <a:off x="2590800" y="3674113"/>
+            <a:ext cx="833016" cy="596149"/>
+          </a:xfrm>
+          <a:prstGeom prst="straightConnector1">
+            <a:avLst/>
+          </a:prstGeom>
+          <a:ln>
+            <a:solidFill>
+              <a:srgbClr val="C00000"/>
+            </a:solidFill>
+            <a:tailEnd type="triangle"/>
+          </a:ln>
+        </p:spPr>
+        <p:style>
+          <a:lnRef idx="1">
+            <a:schemeClr val="accent1"/>
+          </a:lnRef>
+          <a:fillRef idx="0">
+            <a:schemeClr val="accent1"/>
+          </a:fillRef>
+          <a:effectRef idx="0">
+            <a:schemeClr val="accent1"/>
+          </a:effectRef>
+          <a:fontRef idx="minor">
+            <a:schemeClr val="tx1"/>
+          </a:fontRef>
+        </p:style>
+      </p:cxnSp>
+      <p:cxnSp>
+        <p:nvCxnSpPr>
+          <p:cNvPr id="13" name="Straight Arrow Connector 12">
+            <a:extLst>
+              <a:ext uri="{FF2B5EF4-FFF2-40B4-BE49-F238E27FC236}">
+                <a16:creationId xmlns:a16="http://schemas.microsoft.com/office/drawing/2014/main" id="{0E9B1640-919C-48FD-BD8B-DC52F276C326}"/>
+              </a:ext>
+            </a:extLst>
+          </p:cNvPr>
+          <p:cNvCxnSpPr>
+            <a:cxnSpLocks/>
+            <a:endCxn id="10" idx="1"/>
+          </p:cNvCxnSpPr>
+          <p:nvPr/>
+        </p:nvCxnSpPr>
+        <p:spPr>
+          <a:xfrm>
+            <a:off x="2590800" y="4270262"/>
+            <a:ext cx="757064" cy="1391725"/>
+          </a:xfrm>
+          <a:prstGeom prst="straightConnector1">
+            <a:avLst/>
+          </a:prstGeom>
+          <a:ln>
+            <a:solidFill>
+              <a:srgbClr val="C00000"/>
+            </a:solidFill>
+            <a:tailEnd type="triangle"/>
+          </a:ln>
+        </p:spPr>
+        <p:style>
+          <a:lnRef idx="1">
+            <a:schemeClr val="accent1"/>
+          </a:lnRef>
+          <a:fillRef idx="0">
+            <a:schemeClr val="accent1"/>
+          </a:fillRef>
+          <a:effectRef idx="0">
+            <a:schemeClr val="accent1"/>
+          </a:effectRef>
+          <a:fontRef idx="minor">
+            <a:schemeClr val="tx1"/>
+          </a:fontRef>
+        </p:style>
+      </p:cxnSp>
+      <p:pic>
+        <p:nvPicPr>
+          <p:cNvPr id="16" name="Picture 15">
+            <a:extLst>
+              <a:ext uri="{FF2B5EF4-FFF2-40B4-BE49-F238E27FC236}">
+                <a16:creationId xmlns:a16="http://schemas.microsoft.com/office/drawing/2014/main" id="{D2A26D9C-A56B-48AE-80C4-FB5A773894D6}"/>
+              </a:ext>
+            </a:extLst>
+          </p:cNvPr>
+          <p:cNvPicPr>
+            <a:picLocks noChangeAspect="1"/>
+          </p:cNvPicPr>
+          <p:nvPr/>
+        </p:nvPicPr>
+        <p:blipFill>
+          <a:blip r:embed="rId6"/>
+          <a:stretch>
+            <a:fillRect/>
+          </a:stretch>
+        </p:blipFill>
+        <p:spPr>
+          <a:xfrm>
+            <a:off x="5932557" y="2815591"/>
+            <a:ext cx="2549337" cy="3131538"/>
+          </a:xfrm>
+          <a:prstGeom prst="rect">
+            <a:avLst/>
+          </a:prstGeom>
+          <a:ln>
+            <a:solidFill>
+              <a:srgbClr val="C00000"/>
+            </a:solidFill>
+          </a:ln>
+        </p:spPr>
+      </p:pic>
+      <p:sp>
+        <p:nvSpPr>
+          <p:cNvPr id="17" name="Rectangle 16">
+            <a:extLst>
+              <a:ext uri="{FF2B5EF4-FFF2-40B4-BE49-F238E27FC236}">
+                <a16:creationId xmlns:a16="http://schemas.microsoft.com/office/drawing/2014/main" id="{78982F34-D7BF-4296-95E6-E45CEE767DB2}"/>
+              </a:ext>
+            </a:extLst>
+          </p:cNvPr>
+          <p:cNvSpPr/>
+          <p:nvPr/>
+        </p:nvSpPr>
+        <p:spPr>
+          <a:xfrm>
+            <a:off x="4179961" y="4412135"/>
+            <a:ext cx="1098469" cy="120499"/>
+          </a:xfrm>
+          <a:prstGeom prst="rect">
+            <a:avLst/>
+          </a:prstGeom>
+          <a:noFill/>
+          <a:ln>
+            <a:solidFill>
+              <a:srgbClr val="C00000"/>
+            </a:solidFill>
+          </a:ln>
+        </p:spPr>
+        <p:style>
+          <a:lnRef idx="2">
+            <a:schemeClr val="accent1">
+              <a:shade val="50000"/>
+            </a:schemeClr>
+          </a:lnRef>
+          <a:fillRef idx="1">
+            <a:schemeClr val="accent1"/>
+          </a:fillRef>
+          <a:effectRef idx="0">
+            <a:schemeClr val="accent1"/>
+          </a:effectRef>
+          <a:fontRef idx="minor">
+            <a:schemeClr val="lt1"/>
+          </a:fontRef>
+        </p:style>
+        <p:txBody>
+          <a:bodyPr rtlCol="0" anchor="ctr"/>
+          <a:lstStyle/>
+          <a:p>
+            <a:pPr algn="ctr"/>
+            <a:endParaRPr lang="en-US"/>
+          </a:p>
+        </p:txBody>
+      </p:sp>
+      <p:sp>
+        <p:nvSpPr>
+          <p:cNvPr id="18" name="Rectangle 17">
+            <a:extLst>
+              <a:ext uri="{FF2B5EF4-FFF2-40B4-BE49-F238E27FC236}">
+                <a16:creationId xmlns:a16="http://schemas.microsoft.com/office/drawing/2014/main" id="{0FA08932-C306-4714-B404-FF3A3A54503B}"/>
+              </a:ext>
+            </a:extLst>
+          </p:cNvPr>
+          <p:cNvSpPr/>
+          <p:nvPr/>
+        </p:nvSpPr>
+        <p:spPr>
+          <a:xfrm>
+            <a:off x="4179960" y="6406322"/>
+            <a:ext cx="1098469" cy="120499"/>
+          </a:xfrm>
+          <a:prstGeom prst="rect">
+            <a:avLst/>
+          </a:prstGeom>
+          <a:noFill/>
+          <a:ln>
+            <a:solidFill>
+              <a:srgbClr val="C00000"/>
+            </a:solidFill>
+          </a:ln>
+        </p:spPr>
+        <p:style>
+          <a:lnRef idx="2">
+            <a:schemeClr val="accent1">
+              <a:shade val="50000"/>
+            </a:schemeClr>
+          </a:lnRef>
+          <a:fillRef idx="1">
+            <a:schemeClr val="accent1"/>
+          </a:fillRef>
+          <a:effectRef idx="0">
+            <a:schemeClr val="accent1"/>
+          </a:effectRef>
+          <a:fontRef idx="minor">
+            <a:schemeClr val="lt1"/>
+          </a:fontRef>
+        </p:style>
+        <p:txBody>
+          <a:bodyPr rtlCol="0" anchor="ctr"/>
+          <a:lstStyle/>
+          <a:p>
+            <a:pPr algn="ctr"/>
+            <a:endParaRPr lang="en-US"/>
+          </a:p>
+        </p:txBody>
+      </p:sp>
+      <p:cxnSp>
+        <p:nvCxnSpPr>
+          <p:cNvPr id="19" name="Straight Arrow Connector 18">
+            <a:extLst>
+              <a:ext uri="{FF2B5EF4-FFF2-40B4-BE49-F238E27FC236}">
+                <a16:creationId xmlns:a16="http://schemas.microsoft.com/office/drawing/2014/main" id="{0B4C1378-61C0-4EF0-9860-9AC0C2825C1F}"/>
+              </a:ext>
+            </a:extLst>
+          </p:cNvPr>
+          <p:cNvCxnSpPr>
+            <a:cxnSpLocks/>
+            <a:stCxn id="17" idx="3"/>
+            <a:endCxn id="29" idx="1"/>
+          </p:cNvCxnSpPr>
+          <p:nvPr/>
+        </p:nvCxnSpPr>
+        <p:spPr>
+          <a:xfrm flipV="1">
+            <a:off x="5278430" y="3441737"/>
+            <a:ext cx="837752" cy="1030648"/>
+          </a:xfrm>
+          <a:prstGeom prst="straightConnector1">
+            <a:avLst/>
+          </a:prstGeom>
+          <a:ln>
+            <a:solidFill>
+              <a:srgbClr val="C00000"/>
+            </a:solidFill>
+            <a:tailEnd type="triangle"/>
+          </a:ln>
+        </p:spPr>
+        <p:style>
+          <a:lnRef idx="1">
+            <a:schemeClr val="accent1"/>
+          </a:lnRef>
+          <a:fillRef idx="0">
+            <a:schemeClr val="accent1"/>
+          </a:fillRef>
+          <a:effectRef idx="0">
+            <a:schemeClr val="accent1"/>
+          </a:effectRef>
+          <a:fontRef idx="minor">
+            <a:schemeClr val="tx1"/>
+          </a:fontRef>
+        </p:style>
+      </p:cxnSp>
+      <p:cxnSp>
+        <p:nvCxnSpPr>
+          <p:cNvPr id="22" name="Straight Arrow Connector 21">
+            <a:extLst>
+              <a:ext uri="{FF2B5EF4-FFF2-40B4-BE49-F238E27FC236}">
+                <a16:creationId xmlns:a16="http://schemas.microsoft.com/office/drawing/2014/main" id="{C35F3293-DB3C-47F3-985B-C1F4A8D7060C}"/>
+              </a:ext>
+            </a:extLst>
+          </p:cNvPr>
+          <p:cNvCxnSpPr>
+            <a:cxnSpLocks/>
+            <a:stCxn id="18" idx="3"/>
+            <a:endCxn id="29" idx="1"/>
+          </p:cNvCxnSpPr>
+          <p:nvPr/>
+        </p:nvCxnSpPr>
+        <p:spPr>
+          <a:xfrm flipV="1">
+            <a:off x="5278429" y="3441737"/>
+            <a:ext cx="837753" cy="3024835"/>
+          </a:xfrm>
+          <a:prstGeom prst="straightConnector1">
+            <a:avLst/>
+          </a:prstGeom>
+          <a:ln>
+            <a:solidFill>
+              <a:srgbClr val="C00000"/>
+            </a:solidFill>
+            <a:tailEnd type="triangle"/>
+          </a:ln>
+        </p:spPr>
+        <p:style>
+          <a:lnRef idx="1">
+            <a:schemeClr val="accent1"/>
+          </a:lnRef>
+          <a:fillRef idx="0">
+            <a:schemeClr val="accent1"/>
+          </a:fillRef>
+          <a:effectRef idx="0">
+            <a:schemeClr val="accent1"/>
+          </a:effectRef>
+          <a:fontRef idx="minor">
+            <a:schemeClr val="tx1"/>
+          </a:fontRef>
+        </p:style>
+      </p:cxnSp>
+      <p:sp>
+        <p:nvSpPr>
+          <p:cNvPr id="29" name="Rectangle 28">
+            <a:extLst>
+              <a:ext uri="{FF2B5EF4-FFF2-40B4-BE49-F238E27FC236}">
+                <a16:creationId xmlns:a16="http://schemas.microsoft.com/office/drawing/2014/main" id="{C1F1B225-E181-45E1-963F-3333DDC27F1D}"/>
+              </a:ext>
+            </a:extLst>
+          </p:cNvPr>
+          <p:cNvSpPr/>
+          <p:nvPr/>
+        </p:nvSpPr>
+        <p:spPr>
+          <a:xfrm>
+            <a:off x="6116182" y="3209361"/>
+            <a:ext cx="2135652" cy="464751"/>
+          </a:xfrm>
+          <a:prstGeom prst="rect">
+            <a:avLst/>
+          </a:prstGeom>
+          <a:noFill/>
+          <a:ln>
+            <a:solidFill>
+              <a:srgbClr val="C00000"/>
+            </a:solidFill>
+          </a:ln>
+        </p:spPr>
+        <p:style>
+          <a:lnRef idx="2">
+            <a:schemeClr val="accent1">
+              <a:shade val="50000"/>
+            </a:schemeClr>
+          </a:lnRef>
+          <a:fillRef idx="1">
+            <a:schemeClr val="accent1"/>
+          </a:fillRef>
+          <a:effectRef idx="0">
+            <a:schemeClr val="accent1"/>
+          </a:effectRef>
+          <a:fontRef idx="minor">
+            <a:schemeClr val="lt1"/>
+          </a:fontRef>
+        </p:style>
+        <p:txBody>
+          <a:bodyPr rtlCol="0" anchor="ctr"/>
+          <a:lstStyle/>
+          <a:p>
+            <a:pPr algn="ctr"/>
+            <a:endParaRPr lang="en-US"/>
+          </a:p>
+        </p:txBody>
+      </p:sp>
+      <p:sp>
+        <p:nvSpPr>
+          <p:cNvPr id="38" name="Rectangle 37">
+            <a:extLst>
+              <a:ext uri="{FF2B5EF4-FFF2-40B4-BE49-F238E27FC236}">
+                <a16:creationId xmlns:a16="http://schemas.microsoft.com/office/drawing/2014/main" id="{E0273167-079F-4391-B9D4-46EA9410C5BA}"/>
+              </a:ext>
+            </a:extLst>
+          </p:cNvPr>
+          <p:cNvSpPr/>
+          <p:nvPr/>
+        </p:nvSpPr>
+        <p:spPr>
+          <a:xfrm>
+            <a:off x="6138129" y="5037431"/>
+            <a:ext cx="2590499" cy="1016369"/>
+          </a:xfrm>
+          <a:prstGeom prst="rect">
+            <a:avLst/>
+          </a:prstGeom>
+          <a:solidFill>
+            <a:schemeClr val="bg1">
+              <a:lumMod val="95000"/>
+            </a:schemeClr>
+          </a:solidFill>
+          <a:ln>
+            <a:solidFill>
+              <a:srgbClr val="C00000"/>
+            </a:solidFill>
+          </a:ln>
+        </p:spPr>
+        <p:style>
+          <a:lnRef idx="2">
+            <a:schemeClr val="accent1">
+              <a:shade val="50000"/>
+            </a:schemeClr>
+          </a:lnRef>
+          <a:fillRef idx="1">
+            <a:schemeClr val="accent1"/>
+          </a:fillRef>
+          <a:effectRef idx="0">
+            <a:schemeClr val="accent1"/>
+          </a:effectRef>
+          <a:fontRef idx="minor">
+            <a:schemeClr val="lt1"/>
+          </a:fontRef>
+        </p:style>
+        <p:txBody>
+          <a:bodyPr rtlCol="0" anchor="ctr"/>
+          <a:lstStyle/>
+          <a:p>
+            <a:r>
+              <a:rPr lang="en-US" sz="1000" dirty="0">
+                <a:solidFill>
+                  <a:schemeClr val="tx1"/>
+                </a:solidFill>
+              </a:rPr>
+              <a:t>const arrow function {</a:t>
+            </a:r>
+          </a:p>
+          <a:p>
+            <a:r>
+              <a:rPr lang="en-US" sz="1000" dirty="0">
+                <a:solidFill>
+                  <a:schemeClr val="tx1"/>
+                </a:solidFill>
+              </a:rPr>
+              <a:t>  class component extend </a:t>
+            </a:r>
+            <a:r>
+              <a:rPr lang="en-US" sz="1000" dirty="0" err="1">
+                <a:solidFill>
+                  <a:schemeClr val="tx1"/>
+                </a:solidFill>
+              </a:rPr>
+              <a:t>React.Component</a:t>
+            </a:r>
+            <a:r>
+              <a:rPr lang="en-US" sz="1000" dirty="0">
+                <a:solidFill>
+                  <a:schemeClr val="tx1"/>
+                </a:solidFill>
+              </a:rPr>
+              <a:t>{</a:t>
+            </a:r>
+          </a:p>
+          <a:p>
+            <a:r>
+              <a:rPr lang="en-US" sz="1000" dirty="0">
+                <a:solidFill>
+                  <a:schemeClr val="tx1"/>
+                </a:solidFill>
+              </a:rPr>
+              <a:t>        ….</a:t>
+            </a:r>
+          </a:p>
+          <a:p>
+            <a:r>
+              <a:rPr lang="en-US" sz="1000" dirty="0">
+                <a:solidFill>
+                  <a:schemeClr val="tx1"/>
+                </a:solidFill>
+              </a:rPr>
+              <a:t>  }</a:t>
+            </a:r>
+          </a:p>
+          <a:p>
+            <a:r>
+              <a:rPr lang="en-US" sz="1000" dirty="0">
+                <a:solidFill>
+                  <a:schemeClr val="tx1"/>
+                </a:solidFill>
+              </a:rPr>
+              <a:t>}</a:t>
+            </a:r>
           </a:p>
         </p:txBody>
       </p:sp>
@@ -7680,7 +8328,7 @@
               <a:rPr lang="en-US" sz="1800" dirty="0">
                 <a:hlinkClick r:id="rId2"/>
               </a:rPr>
-              <a:t>https://levelup.gitconnected.com/how-to-connect-hoc-with-react-and-redux-2b3bce6a7dbf</a:t>
+              <a:t>https://reactjs.org/docs/higher-order-components.html</a:t>
             </a:r>
             <a:endParaRPr lang="en-US" sz="1800" dirty="0"/>
           </a:p>
@@ -7859,7 +8507,7 @@
             <a:fld id="{A4F910E6-8D00-4BAF-8C48-9688E0B449D3}" type="datetime1">
               <a:rPr lang="zh-TW" altLang="en-US" smtClean="0"/>
               <a:pPr/>
-              <a:t>2020/5/24</a:t>
+              <a:t>2020/5/25</a:t>
             </a:fld>
             <a:endParaRPr lang="zh-TW" altLang="en-US"/>
           </a:p>
@@ -8006,7 +8654,7 @@
             <a:fld id="{4E46BE27-E923-4EC2-B046-3272AE2A3E5C}" type="datetime1">
               <a:rPr lang="zh-TW" altLang="en-US" smtClean="0"/>
               <a:pPr/>
-              <a:t>2020/5/24</a:t>
+              <a:t>2020/5/25</a:t>
             </a:fld>
             <a:endParaRPr lang="zh-TW" altLang="en-US"/>
           </a:p>
@@ -8120,7 +8768,7 @@
             <a:fld id="{C389EDC9-19E3-47AC-9C57-C6A24DEA81AD}" type="datetime1">
               <a:rPr lang="zh-TW" altLang="en-US" smtClean="0"/>
               <a:pPr/>
-              <a:t>2020/5/24</a:t>
+              <a:t>2020/5/25</a:t>
             </a:fld>
             <a:endParaRPr lang="zh-TW" altLang="en-US"/>
           </a:p>
@@ -8480,7 +9128,7 @@
             <a:fld id="{A4F910E6-8D00-4BAF-8C48-9688E0B449D3}" type="datetime1">
               <a:rPr lang="zh-TW" altLang="en-US" smtClean="0"/>
               <a:pPr/>
-              <a:t>2020/5/24</a:t>
+              <a:t>2020/5/25</a:t>
             </a:fld>
             <a:endParaRPr lang="zh-TW" altLang="en-US"/>
           </a:p>
@@ -8824,7 +9472,7 @@
             <a:fld id="{A4F910E6-8D00-4BAF-8C48-9688E0B449D3}" type="datetime1">
               <a:rPr lang="zh-TW" altLang="en-US" smtClean="0"/>
               <a:pPr/>
-              <a:t>2020/5/24</a:t>
+              <a:t>2020/5/25</a:t>
             </a:fld>
             <a:endParaRPr lang="zh-TW" altLang="en-US"/>
           </a:p>
@@ -9221,7 +9869,7 @@
             <a:fld id="{A4F910E6-8D00-4BAF-8C48-9688E0B449D3}" type="datetime1">
               <a:rPr lang="zh-TW" altLang="en-US" smtClean="0"/>
               <a:pPr/>
-              <a:t>2020/5/24</a:t>
+              <a:t>2020/5/25</a:t>
             </a:fld>
             <a:endParaRPr lang="zh-TW" altLang="en-US"/>
           </a:p>
@@ -9673,7 +10321,7 @@
             <a:fld id="{A4F910E6-8D00-4BAF-8C48-9688E0B449D3}" type="datetime1">
               <a:rPr lang="zh-TW" altLang="en-US" smtClean="0"/>
               <a:pPr/>
-              <a:t>2020/5/24</a:t>
+              <a:t>2020/5/25</a:t>
             </a:fld>
             <a:endParaRPr lang="zh-TW" altLang="en-US"/>
           </a:p>
@@ -10117,7 +10765,7 @@
             <a:fld id="{A4F910E6-8D00-4BAF-8C48-9688E0B449D3}" type="datetime1">
               <a:rPr lang="zh-TW" altLang="en-US" smtClean="0"/>
               <a:pPr/>
-              <a:t>2020/5/24</a:t>
+              <a:t>2020/5/25</a:t>
             </a:fld>
             <a:endParaRPr lang="zh-TW" altLang="en-US"/>
           </a:p>
@@ -10602,7 +11250,7 @@
             <a:fld id="{A4F910E6-8D00-4BAF-8C48-9688E0B449D3}" type="datetime1">
               <a:rPr lang="zh-TW" altLang="en-US" smtClean="0"/>
               <a:pPr/>
-              <a:t>2020/5/24</a:t>
+              <a:t>2020/5/25</a:t>
             </a:fld>
             <a:endParaRPr lang="zh-TW" altLang="en-US"/>
           </a:p>

--- a/35_HOC3.pptx
+++ b/35_HOC3.pptx
@@ -5,7 +5,7 @@
     <p:sldMasterId id="2147483648" r:id="rId1"/>
   </p:sldMasterIdLst>
   <p:notesMasterIdLst>
-    <p:notesMasterId r:id="rId25"/>
+    <p:notesMasterId r:id="rId28"/>
   </p:notesMasterIdLst>
   <p:sldIdLst>
     <p:sldId id="256" r:id="rId2"/>
@@ -30,7 +30,10 @@
     <p:sldId id="300" r:id="rId21"/>
     <p:sldId id="301" r:id="rId22"/>
     <p:sldId id="303" r:id="rId23"/>
-    <p:sldId id="259" r:id="rId24"/>
+    <p:sldId id="305" r:id="rId24"/>
+    <p:sldId id="304" r:id="rId25"/>
+    <p:sldId id="306" r:id="rId26"/>
+    <p:sldId id="259" r:id="rId27"/>
   </p:sldIdLst>
   <p:sldSz cx="9144000" cy="6858000" type="screen4x3"/>
   <p:notesSz cx="6858000" cy="9144000"/>
@@ -231,7 +234,7 @@
             <a:fld id="{6837EDA8-41C8-4B24-A206-13C08A65A6D7}" type="datetimeFigureOut">
               <a:rPr lang="zh-TW" altLang="en-US" smtClean="0"/>
               <a:pPr/>
-              <a:t>2020/5/25</a:t>
+              <a:t>2020/6/28</a:t>
             </a:fld>
             <a:endParaRPr lang="zh-TW" altLang="en-US"/>
           </a:p>
@@ -684,7 +687,7 @@
             <a:fld id="{8B85509C-BD4F-47BF-9B1E-FC2E949B3621}" type="datetime1">
               <a:rPr lang="zh-TW" altLang="en-US" smtClean="0"/>
               <a:pPr/>
-              <a:t>2020/5/25</a:t>
+              <a:t>2020/6/28</a:t>
             </a:fld>
             <a:endParaRPr lang="zh-TW" altLang="en-US"/>
           </a:p>
@@ -857,7 +860,7 @@
             <a:fld id="{42251B24-F787-4C15-8A0F-7AEC20C70069}" type="datetime1">
               <a:rPr lang="zh-TW" altLang="en-US" smtClean="0"/>
               <a:pPr/>
-              <a:t>2020/5/25</a:t>
+              <a:t>2020/6/28</a:t>
             </a:fld>
             <a:endParaRPr lang="zh-TW" altLang="en-US"/>
           </a:p>
@@ -1032,7 +1035,7 @@
             <a:fld id="{9CA0D33C-CE2B-45F1-B8D4-FFD1F131F331}" type="datetime1">
               <a:rPr lang="zh-TW" altLang="en-US" smtClean="0"/>
               <a:pPr/>
-              <a:t>2020/5/25</a:t>
+              <a:t>2020/6/28</a:t>
             </a:fld>
             <a:endParaRPr lang="zh-TW" altLang="en-US"/>
           </a:p>
@@ -1197,7 +1200,7 @@
             <a:fld id="{50B99440-D9EF-40CC-9B52-F6428D9B2C76}" type="datetime1">
               <a:rPr lang="zh-TW" altLang="en-US" smtClean="0"/>
               <a:pPr/>
-              <a:t>2020/5/25</a:t>
+              <a:t>2020/6/28</a:t>
             </a:fld>
             <a:endParaRPr lang="zh-TW" altLang="en-US"/>
           </a:p>
@@ -1439,7 +1442,7 @@
             <a:fld id="{0871BF52-5C6C-4959-8E27-CECB68D39FE4}" type="datetime1">
               <a:rPr lang="zh-TW" altLang="en-US" smtClean="0"/>
               <a:pPr/>
-              <a:t>2020/5/25</a:t>
+              <a:t>2020/6/28</a:t>
             </a:fld>
             <a:endParaRPr lang="zh-TW" altLang="en-US"/>
           </a:p>
@@ -1721,7 +1724,7 @@
             <a:fld id="{DF863F05-2DD9-4EB1-A827-12FD992DE9DC}" type="datetime1">
               <a:rPr lang="zh-TW" altLang="en-US" smtClean="0"/>
               <a:pPr/>
-              <a:t>2020/5/25</a:t>
+              <a:t>2020/6/28</a:t>
             </a:fld>
             <a:endParaRPr lang="zh-TW" altLang="en-US"/>
           </a:p>
@@ -2137,7 +2140,7 @@
             <a:fld id="{6339AF51-4491-4873-A096-75DB6CE47516}" type="datetime1">
               <a:rPr lang="zh-TW" altLang="en-US" smtClean="0"/>
               <a:pPr/>
-              <a:t>2020/5/25</a:t>
+              <a:t>2020/6/28</a:t>
             </a:fld>
             <a:endParaRPr lang="zh-TW" altLang="en-US"/>
           </a:p>
@@ -2251,7 +2254,7 @@
             <a:fld id="{EE4AD9C8-8B9E-40FF-ABE2-858AC2057BBB}" type="datetime1">
               <a:rPr lang="zh-TW" altLang="en-US" smtClean="0"/>
               <a:pPr/>
-              <a:t>2020/5/25</a:t>
+              <a:t>2020/6/28</a:t>
             </a:fld>
             <a:endParaRPr lang="zh-TW" altLang="en-US"/>
           </a:p>
@@ -2343,7 +2346,7 @@
             <a:fld id="{B4784999-BBBE-4BE4-A8D0-877E7D1D66CC}" type="datetime1">
               <a:rPr lang="zh-TW" altLang="en-US" smtClean="0"/>
               <a:pPr/>
-              <a:t>2020/5/25</a:t>
+              <a:t>2020/6/28</a:t>
             </a:fld>
             <a:endParaRPr lang="zh-TW" altLang="en-US"/>
           </a:p>
@@ -2615,7 +2618,7 @@
             <a:fld id="{E88D17E6-02BD-4944-B9FE-7BFCCBF83D48}" type="datetime1">
               <a:rPr lang="zh-TW" altLang="en-US" smtClean="0"/>
               <a:pPr/>
-              <a:t>2020/5/25</a:t>
+              <a:t>2020/6/28</a:t>
             </a:fld>
             <a:endParaRPr lang="zh-TW" altLang="en-US"/>
           </a:p>
@@ -2864,7 +2867,7 @@
             <a:fld id="{3C13E23D-1FEF-4D78-A3A3-3D6F2BB31954}" type="datetime1">
               <a:rPr lang="zh-TW" altLang="en-US" smtClean="0"/>
               <a:pPr/>
-              <a:t>2020/5/25</a:t>
+              <a:t>2020/6/28</a:t>
             </a:fld>
             <a:endParaRPr lang="zh-TW" altLang="en-US"/>
           </a:p>
@@ -3072,7 +3075,7 @@
             <a:fld id="{06197F35-AD6F-4594-8B50-334492D2E7E8}" type="datetime1">
               <a:rPr lang="zh-TW" altLang="en-US" smtClean="0"/>
               <a:pPr/>
-              <a:t>2020/5/25</a:t>
+              <a:t>2020/6/28</a:t>
             </a:fld>
             <a:endParaRPr lang="zh-TW" altLang="en-US"/>
           </a:p>
@@ -3533,7 +3536,7 @@
             <a:fld id="{C389EDC9-19E3-47AC-9C57-C6A24DEA81AD}" type="datetime1">
               <a:rPr lang="zh-TW" altLang="en-US" smtClean="0"/>
               <a:pPr/>
-              <a:t>2020/5/25</a:t>
+              <a:t>2020/6/28</a:t>
             </a:fld>
             <a:endParaRPr lang="zh-TW" altLang="en-US"/>
           </a:p>
@@ -3679,7 +3682,7 @@
             <a:fld id="{C389EDC9-19E3-47AC-9C57-C6A24DEA81AD}" type="datetime1">
               <a:rPr lang="zh-TW" altLang="en-US" smtClean="0"/>
               <a:pPr/>
-              <a:t>2020/5/25</a:t>
+              <a:t>2020/6/28</a:t>
             </a:fld>
             <a:endParaRPr lang="zh-TW" altLang="en-US"/>
           </a:p>
@@ -4000,7 +4003,7 @@
             <a:fld id="{A4F910E6-8D00-4BAF-8C48-9688E0B449D3}" type="datetime1">
               <a:rPr lang="zh-TW" altLang="en-US" smtClean="0"/>
               <a:pPr/>
-              <a:t>2020/5/25</a:t>
+              <a:t>2020/6/28</a:t>
             </a:fld>
             <a:endParaRPr lang="zh-TW" altLang="en-US"/>
           </a:p>
@@ -4435,7 +4438,7 @@
             <a:fld id="{A4F910E6-8D00-4BAF-8C48-9688E0B449D3}" type="datetime1">
               <a:rPr lang="zh-TW" altLang="en-US" smtClean="0"/>
               <a:pPr/>
-              <a:t>2020/5/25</a:t>
+              <a:t>2020/6/28</a:t>
             </a:fld>
             <a:endParaRPr lang="zh-TW" altLang="en-US"/>
           </a:p>
@@ -4819,7 +4822,7 @@
             <a:fld id="{A4F910E6-8D00-4BAF-8C48-9688E0B449D3}" type="datetime1">
               <a:rPr lang="zh-TW" altLang="en-US" smtClean="0"/>
               <a:pPr/>
-              <a:t>2020/5/25</a:t>
+              <a:t>2020/6/28</a:t>
             </a:fld>
             <a:endParaRPr lang="zh-TW" altLang="en-US"/>
           </a:p>
@@ -5047,7 +5050,7 @@
             <a:fld id="{C389EDC9-19E3-47AC-9C57-C6A24DEA81AD}" type="datetime1">
               <a:rPr lang="zh-TW" altLang="en-US" smtClean="0"/>
               <a:pPr/>
-              <a:t>2020/5/25</a:t>
+              <a:t>2020/6/28</a:t>
             </a:fld>
             <a:endParaRPr lang="zh-TW" altLang="en-US"/>
           </a:p>
@@ -5444,7 +5447,7 @@
             <a:fld id="{A4F910E6-8D00-4BAF-8C48-9688E0B449D3}" type="datetime1">
               <a:rPr lang="zh-TW" altLang="en-US" smtClean="0"/>
               <a:pPr/>
-              <a:t>2020/5/25</a:t>
+              <a:t>2020/6/28</a:t>
             </a:fld>
             <a:endParaRPr lang="zh-TW" altLang="en-US"/>
           </a:p>
@@ -5842,7 +5845,7 @@
             <a:fld id="{A4F910E6-8D00-4BAF-8C48-9688E0B449D3}" type="datetime1">
               <a:rPr lang="zh-TW" altLang="en-US" smtClean="0"/>
               <a:pPr/>
-              <a:t>2020/5/25</a:t>
+              <a:t>2020/6/28</a:t>
             </a:fld>
             <a:endParaRPr lang="zh-TW" altLang="en-US"/>
           </a:p>
@@ -6188,7 +6191,7 @@
             <a:fld id="{A4F910E6-8D00-4BAF-8C48-9688E0B449D3}" type="datetime1">
               <a:rPr lang="zh-TW" altLang="en-US" smtClean="0"/>
               <a:pPr/>
-              <a:t>2020/5/25</a:t>
+              <a:t>2020/6/28</a:t>
             </a:fld>
             <a:endParaRPr lang="zh-TW" altLang="en-US"/>
           </a:p>
@@ -6364,7 +6367,7 @@
             <a:fld id="{C389EDC9-19E3-47AC-9C57-C6A24DEA81AD}" type="datetime1">
               <a:rPr lang="zh-TW" altLang="en-US" smtClean="0"/>
               <a:pPr/>
-              <a:t>2020/5/25</a:t>
+              <a:t>2020/6/28</a:t>
             </a:fld>
             <a:endParaRPr lang="zh-TW" altLang="en-US"/>
           </a:p>
@@ -6650,7 +6653,7 @@
             <a:fld id="{A4F910E6-8D00-4BAF-8C48-9688E0B449D3}" type="datetime1">
               <a:rPr lang="zh-TW" altLang="en-US" smtClean="0"/>
               <a:pPr/>
-              <a:t>2020/5/25</a:t>
+              <a:t>2020/6/28</a:t>
             </a:fld>
             <a:endParaRPr lang="zh-TW" altLang="en-US"/>
           </a:p>
@@ -6999,7 +7002,7 @@
             <a:fld id="{A4F910E6-8D00-4BAF-8C48-9688E0B449D3}" type="datetime1">
               <a:rPr lang="zh-TW" altLang="en-US" smtClean="0"/>
               <a:pPr/>
-              <a:t>2020/5/25</a:t>
+              <a:t>2020/6/28</a:t>
             </a:fld>
             <a:endParaRPr lang="zh-TW" altLang="en-US"/>
           </a:p>
@@ -7123,7 +7126,7 @@
             <a:fld id="{C389EDC9-19E3-47AC-9C57-C6A24DEA81AD}" type="datetime1">
               <a:rPr lang="zh-TW" altLang="en-US" smtClean="0"/>
               <a:pPr/>
-              <a:t>2020/5/25</a:t>
+              <a:t>2020/6/28</a:t>
             </a:fld>
             <a:endParaRPr lang="zh-TW" altLang="en-US"/>
           </a:p>
@@ -7466,7 +7469,7 @@
             <a:fld id="{A4F910E6-8D00-4BAF-8C48-9688E0B449D3}" type="datetime1">
               <a:rPr lang="zh-TW" altLang="en-US" smtClean="0"/>
               <a:pPr/>
-              <a:t>2020/5/25</a:t>
+              <a:t>2020/6/28</a:t>
             </a:fld>
             <a:endParaRPr lang="zh-TW" altLang="en-US"/>
           </a:p>
@@ -8045,7 +8048,7 @@
         </p:nvSpPr>
         <p:spPr>
           <a:xfrm>
-            <a:off x="6138129" y="5037431"/>
+            <a:off x="6201198" y="5153801"/>
             <a:ext cx="2590499" cy="1016369"/>
           </a:xfrm>
           <a:prstGeom prst="rect">
@@ -8507,7 +8510,7 @@
             <a:fld id="{A4F910E6-8D00-4BAF-8C48-9688E0B449D3}" type="datetime1">
               <a:rPr lang="zh-TW" altLang="en-US" smtClean="0"/>
               <a:pPr/>
-              <a:t>2020/5/25</a:t>
+              <a:t>2020/6/28</a:t>
             </a:fld>
             <a:endParaRPr lang="zh-TW" altLang="en-US"/>
           </a:p>
@@ -8587,6 +8590,397 @@
             <a:off x="0" y="2130425"/>
             <a:ext cx="9144000" cy="1470025"/>
           </a:xfrm>
+          <a:solidFill>
+            <a:srgbClr val="00B0F0"/>
+          </a:solidFill>
+        </p:spPr>
+        <p:txBody>
+          <a:bodyPr>
+            <a:normAutofit/>
+          </a:bodyPr>
+          <a:lstStyle/>
+          <a:p>
+            <a:r>
+              <a:rPr lang="en-US" altLang="zh-TW" b="1" dirty="0">
+                <a:solidFill>
+                  <a:srgbClr val="FFFF00"/>
+                </a:solidFill>
+              </a:rPr>
+              <a:t>35.6 Quiz</a:t>
+            </a:r>
+            <a:endParaRPr lang="zh-TW" altLang="en-US" b="1" dirty="0">
+              <a:solidFill>
+                <a:srgbClr val="FFFF00"/>
+              </a:solidFill>
+            </a:endParaRPr>
+          </a:p>
+        </p:txBody>
+      </p:sp>
+      <p:sp>
+        <p:nvSpPr>
+          <p:cNvPr id="5" name="日期版面配置區 4"/>
+          <p:cNvSpPr>
+            <a:spLocks noGrp="1"/>
+          </p:cNvSpPr>
+          <p:nvPr>
+            <p:ph type="dt" sz="half" idx="10"/>
+          </p:nvPr>
+        </p:nvSpPr>
+        <p:spPr/>
+        <p:txBody>
+          <a:bodyPr/>
+          <a:lstStyle/>
+          <a:p>
+            <a:fld id="{C389EDC9-19E3-47AC-9C57-C6A24DEA81AD}" type="datetime1">
+              <a:rPr lang="zh-TW" altLang="en-US" smtClean="0"/>
+              <a:pPr/>
+              <a:t>2020/6/28</a:t>
+            </a:fld>
+            <a:endParaRPr lang="zh-TW" altLang="en-US"/>
+          </a:p>
+        </p:txBody>
+      </p:sp>
+      <p:sp>
+        <p:nvSpPr>
+          <p:cNvPr id="6" name="投影片編號版面配置區 5"/>
+          <p:cNvSpPr>
+            <a:spLocks noGrp="1"/>
+          </p:cNvSpPr>
+          <p:nvPr>
+            <p:ph type="sldNum" sz="quarter" idx="12"/>
+          </p:nvPr>
+        </p:nvSpPr>
+        <p:spPr/>
+        <p:txBody>
+          <a:bodyPr/>
+          <a:lstStyle/>
+          <a:p>
+            <a:fld id="{E4D7E63D-91F2-4366-A2C4-1B00C9E2590E}" type="slidenum">
+              <a:rPr lang="zh-TW" altLang="en-US" smtClean="0"/>
+              <a:pPr/>
+              <a:t>23</a:t>
+            </a:fld>
+            <a:endParaRPr lang="zh-TW" altLang="en-US"/>
+          </a:p>
+        </p:txBody>
+      </p:sp>
+      <p:pic>
+        <p:nvPicPr>
+          <p:cNvPr id="2050" name="Picture 2"/>
+          <p:cNvPicPr>
+            <a:picLocks noChangeAspect="1" noChangeArrowheads="1"/>
+          </p:cNvPicPr>
+          <p:nvPr/>
+        </p:nvPicPr>
+        <p:blipFill>
+          <a:blip r:embed="rId2" cstate="print"/>
+          <a:srcRect/>
+          <a:stretch>
+            <a:fillRect/>
+          </a:stretch>
+        </p:blipFill>
+        <p:spPr bwMode="auto">
+          <a:xfrm>
+            <a:off x="4283968" y="3717032"/>
+            <a:ext cx="713805" cy="644588"/>
+          </a:xfrm>
+          <a:prstGeom prst="rect">
+            <a:avLst/>
+          </a:prstGeom>
+          <a:noFill/>
+          <a:ln w="9525">
+            <a:noFill/>
+            <a:miter lim="800000"/>
+            <a:headEnd/>
+            <a:tailEnd/>
+          </a:ln>
+        </p:spPr>
+      </p:pic>
+    </p:spTree>
+    <p:extLst>
+      <p:ext uri="{BB962C8B-B14F-4D97-AF65-F5344CB8AC3E}">
+        <p14:creationId xmlns:p14="http://schemas.microsoft.com/office/powerpoint/2010/main" val="1148082572"/>
+      </p:ext>
+    </p:extLst>
+  </p:cSld>
+  <p:clrMapOvr>
+    <a:masterClrMapping/>
+  </p:clrMapOvr>
+</p:sld>
+</file>
+
+<file path=ppt/slides/slide24.xml><?xml version="1.0" encoding="utf-8"?>
+<p:sld xmlns:a="http://schemas.openxmlformats.org/drawingml/2006/main" xmlns:r="http://schemas.openxmlformats.org/officeDocument/2006/relationships" xmlns:p="http://schemas.openxmlformats.org/presentationml/2006/main">
+  <p:cSld>
+    <p:spTree>
+      <p:nvGrpSpPr>
+        <p:cNvPr id="1" name=""/>
+        <p:cNvGrpSpPr/>
+        <p:nvPr/>
+      </p:nvGrpSpPr>
+      <p:grpSpPr>
+        <a:xfrm>
+          <a:off x="0" y="0"/>
+          <a:ext cx="0" cy="0"/>
+          <a:chOff x="0" y="0"/>
+          <a:chExt cx="0" cy="0"/>
+        </a:xfrm>
+      </p:grpSpPr>
+      <p:sp>
+        <p:nvSpPr>
+          <p:cNvPr id="2" name="標題 1"/>
+          <p:cNvSpPr>
+            <a:spLocks noGrp="1"/>
+          </p:cNvSpPr>
+          <p:nvPr>
+            <p:ph type="ctrTitle"/>
+          </p:nvPr>
+        </p:nvSpPr>
+        <p:spPr>
+          <a:xfrm>
+            <a:off x="0" y="1"/>
+            <a:ext cx="9144000" cy="764704"/>
+          </a:xfrm>
+          <a:gradFill flip="none" rotWithShape="1">
+            <a:gsLst>
+              <a:gs pos="0">
+                <a:srgbClr val="C00000">
+                  <a:shade val="30000"/>
+                  <a:satMod val="115000"/>
+                </a:srgbClr>
+              </a:gs>
+              <a:gs pos="50000">
+                <a:srgbClr val="C00000">
+                  <a:shade val="67500"/>
+                  <a:satMod val="115000"/>
+                </a:srgbClr>
+              </a:gs>
+              <a:gs pos="100000">
+                <a:srgbClr val="C00000">
+                  <a:shade val="100000"/>
+                  <a:satMod val="115000"/>
+                </a:srgbClr>
+              </a:gs>
+            </a:gsLst>
+            <a:path path="circle">
+              <a:fillToRect t="100000" r="100000"/>
+            </a:path>
+            <a:tileRect l="-100000" b="-100000"/>
+          </a:gradFill>
+        </p:spPr>
+        <p:txBody>
+          <a:bodyPr>
+            <a:normAutofit/>
+          </a:bodyPr>
+          <a:lstStyle/>
+          <a:p>
+            <a:pPr algn="l"/>
+            <a:r>
+              <a:rPr lang="en-US" altLang="zh-TW" b="1" dirty="0">
+                <a:solidFill>
+                  <a:srgbClr val="FFFF00"/>
+                </a:solidFill>
+              </a:rPr>
+              <a:t>35.6 Quiz</a:t>
+            </a:r>
+            <a:endParaRPr lang="zh-TW" altLang="en-US" b="1" dirty="0">
+              <a:solidFill>
+                <a:srgbClr val="FFFF00"/>
+              </a:solidFill>
+            </a:endParaRPr>
+          </a:p>
+        </p:txBody>
+      </p:sp>
+      <p:sp>
+        <p:nvSpPr>
+          <p:cNvPr id="3" name="副標題 2"/>
+          <p:cNvSpPr>
+            <a:spLocks noGrp="1"/>
+          </p:cNvSpPr>
+          <p:nvPr>
+            <p:ph type="subTitle" idx="1"/>
+          </p:nvPr>
+        </p:nvSpPr>
+        <p:spPr>
+          <a:xfrm>
+            <a:off x="467544" y="1340764"/>
+            <a:ext cx="8219256" cy="1728196"/>
+          </a:xfrm>
+          <a:ln>
+            <a:solidFill>
+              <a:srgbClr val="C00000"/>
+            </a:solidFill>
+          </a:ln>
+        </p:spPr>
+        <p:txBody>
+          <a:bodyPr>
+            <a:noAutofit/>
+          </a:bodyPr>
+          <a:lstStyle/>
+          <a:p>
+            <a:pPr marL="342900" indent="-342900" algn="l">
+              <a:buClr>
+                <a:srgbClr val="0070C0"/>
+              </a:buClr>
+              <a:buSzPct val="80000"/>
+              <a:buFont typeface="Wingdings" pitchFamily="2" charset="2"/>
+              <a:buChar char="u"/>
+            </a:pPr>
+            <a:r>
+              <a:rPr lang="en-US" altLang="zh-TW" sz="1800" b="1" dirty="0">
+                <a:solidFill>
+                  <a:schemeClr val="tx1"/>
+                </a:solidFill>
+                <a:latin typeface="+mj-lt"/>
+              </a:rPr>
+              <a:t>Quiz</a:t>
+            </a:r>
+          </a:p>
+          <a:p>
+            <a:pPr marL="342900" indent="-342900" algn="l">
+              <a:buClr>
+                <a:srgbClr val="0070C0"/>
+              </a:buClr>
+              <a:buSzPct val="80000"/>
+              <a:buFont typeface="Wingdings" pitchFamily="2" charset="2"/>
+              <a:buChar char="u"/>
+            </a:pPr>
+            <a:r>
+              <a:rPr lang="en-US" altLang="zh-TW" sz="1800" dirty="0">
+                <a:solidFill>
+                  <a:schemeClr val="tx1"/>
+                </a:solidFill>
+              </a:rPr>
+              <a:t>1. What are two steps for HOC of Click and Hover Counter?</a:t>
+            </a:r>
+          </a:p>
+          <a:p>
+            <a:pPr marL="342900" indent="-342900" algn="l">
+              <a:buClr>
+                <a:srgbClr val="0070C0"/>
+              </a:buClr>
+              <a:buSzPct val="80000"/>
+              <a:buFont typeface="Wingdings" pitchFamily="2" charset="2"/>
+              <a:buChar char="u"/>
+            </a:pPr>
+            <a:r>
+              <a:rPr lang="en-US" altLang="zh-TW" sz="1800" dirty="0">
+                <a:solidFill>
+                  <a:schemeClr val="tx1"/>
+                </a:solidFill>
+              </a:rPr>
+              <a:t>Ans:</a:t>
+            </a:r>
+          </a:p>
+          <a:p>
+            <a:pPr marL="342900" indent="-342900" algn="l">
+              <a:buClr>
+                <a:srgbClr val="0070C0"/>
+              </a:buClr>
+              <a:buSzPct val="80000"/>
+              <a:buFont typeface="Wingdings" pitchFamily="2" charset="2"/>
+              <a:buChar char="u"/>
+            </a:pPr>
+            <a:r>
+              <a:rPr lang="en-US" altLang="zh-TW" sz="1800" dirty="0">
+                <a:solidFill>
+                  <a:schemeClr val="tx1"/>
+                </a:solidFill>
+                <a:latin typeface="+mj-lt"/>
+              </a:rPr>
+              <a:t>a) First, </a:t>
+            </a:r>
+            <a:r>
+              <a:rPr lang="en-US" altLang="zh-TW" sz="1800" b="1" dirty="0">
+                <a:solidFill>
+                  <a:schemeClr val="tx1"/>
+                </a:solidFill>
+                <a:latin typeface="+mj-lt"/>
+              </a:rPr>
+              <a:t>we pass down the props </a:t>
+            </a:r>
+            <a:r>
+              <a:rPr lang="en-US" altLang="zh-TW" sz="1800" dirty="0">
+                <a:solidFill>
+                  <a:schemeClr val="tx1"/>
+                </a:solidFill>
+                <a:latin typeface="+mj-lt"/>
+              </a:rPr>
+              <a:t>in App Component to Click/Hover Counters.</a:t>
+            </a:r>
+          </a:p>
+          <a:p>
+            <a:pPr marL="342900" indent="-342900" algn="l">
+              <a:buClr>
+                <a:srgbClr val="0070C0"/>
+              </a:buClr>
+              <a:buSzPct val="80000"/>
+              <a:buFont typeface="Wingdings" pitchFamily="2" charset="2"/>
+              <a:buChar char="u"/>
+            </a:pPr>
+            <a:r>
+              <a:rPr lang="en-US" altLang="zh-TW" sz="1800" dirty="0">
+                <a:solidFill>
+                  <a:schemeClr val="tx1"/>
+                </a:solidFill>
+                <a:latin typeface="+mj-lt"/>
+              </a:rPr>
+              <a:t>b) Second, we </a:t>
+            </a:r>
+            <a:r>
+              <a:rPr lang="en-US" altLang="zh-TW" sz="1800" b="1" dirty="0">
+                <a:solidFill>
+                  <a:schemeClr val="tx1"/>
+                </a:solidFill>
+                <a:latin typeface="+mj-lt"/>
+              </a:rPr>
+              <a:t>specify the parameter from HOC argument </a:t>
+            </a:r>
+            <a:r>
+              <a:rPr lang="en-US" altLang="zh-TW" sz="1800" dirty="0">
+                <a:solidFill>
+                  <a:schemeClr val="tx1"/>
+                </a:solidFill>
+                <a:latin typeface="+mj-lt"/>
+              </a:rPr>
+              <a:t>to </a:t>
+            </a:r>
+            <a:r>
+              <a:rPr lang="en-US" altLang="zh-TW" sz="1800" dirty="0">
+                <a:solidFill>
+                  <a:schemeClr val="tx1"/>
+                </a:solidFill>
+              </a:rPr>
+              <a:t>Click/Hover Counters</a:t>
+            </a:r>
+            <a:r>
+              <a:rPr lang="en-US" altLang="zh-TW" sz="1800" dirty="0">
+                <a:solidFill>
+                  <a:schemeClr val="tx1"/>
+                </a:solidFill>
+                <a:latin typeface="+mj-lt"/>
+              </a:rPr>
+              <a:t>. </a:t>
+            </a:r>
+          </a:p>
+        </p:txBody>
+      </p:sp>
+      <p:sp>
+        <p:nvSpPr>
+          <p:cNvPr id="4" name="標題 1"/>
+          <p:cNvSpPr txBox="1">
+            <a:spLocks/>
+          </p:cNvSpPr>
+          <p:nvPr/>
+        </p:nvSpPr>
+        <p:spPr>
+          <a:xfrm>
+            <a:off x="0" y="764704"/>
+            <a:ext cx="9144000" cy="398616"/>
+          </a:xfrm>
+          <a:prstGeom prst="rect">
+            <a:avLst/>
+          </a:prstGeom>
           <a:gradFill flip="none" rotWithShape="1">
             <a:gsLst>
               <a:gs pos="0">
@@ -8615,6 +9009,1339 @@
           </a:gradFill>
         </p:spPr>
         <p:txBody>
+          <a:bodyPr vert="horz" lIns="91440" tIns="45720" rIns="91440" bIns="45720" rtlCol="0" anchor="ctr">
+            <a:normAutofit/>
+          </a:bodyPr>
+          <a:lstStyle/>
+          <a:p>
+            <a:r>
+              <a:rPr lang="en-US" sz="1600" dirty="0">
+                <a:hlinkClick r:id="rId2"/>
+              </a:rPr>
+              <a:t>https://www.youtube.com/watch?v=l8V59zIdBXU&amp;list=PLC3y8-rFHvwgg3vaYJgHGnModB54rxOk3&amp;index=35</a:t>
+            </a:r>
+            <a:endParaRPr lang="en-US" altLang="zh-TW" sz="1600" b="1" i="1" dirty="0"/>
+          </a:p>
+        </p:txBody>
+      </p:sp>
+      <p:sp>
+        <p:nvSpPr>
+          <p:cNvPr id="5" name="日期版面配置區 4"/>
+          <p:cNvSpPr>
+            <a:spLocks noGrp="1"/>
+          </p:cNvSpPr>
+          <p:nvPr>
+            <p:ph type="dt" sz="half" idx="10"/>
+          </p:nvPr>
+        </p:nvSpPr>
+        <p:spPr>
+          <a:xfrm>
+            <a:off x="457200" y="6356350"/>
+            <a:ext cx="2133600" cy="404246"/>
+          </a:xfrm>
+        </p:spPr>
+        <p:txBody>
+          <a:bodyPr/>
+          <a:lstStyle/>
+          <a:p>
+            <a:fld id="{A4F910E6-8D00-4BAF-8C48-9688E0B449D3}" type="datetime1">
+              <a:rPr lang="zh-TW" altLang="en-US" smtClean="0"/>
+              <a:pPr/>
+              <a:t>2020/6/28</a:t>
+            </a:fld>
+            <a:endParaRPr lang="zh-TW" altLang="en-US"/>
+          </a:p>
+        </p:txBody>
+      </p:sp>
+      <p:sp>
+        <p:nvSpPr>
+          <p:cNvPr id="6" name="投影片編號版面配置區 5"/>
+          <p:cNvSpPr>
+            <a:spLocks noGrp="1"/>
+          </p:cNvSpPr>
+          <p:nvPr>
+            <p:ph type="sldNum" sz="quarter" idx="12"/>
+          </p:nvPr>
+        </p:nvSpPr>
+        <p:spPr>
+          <a:xfrm>
+            <a:off x="6553200" y="6356350"/>
+            <a:ext cx="2133600" cy="404246"/>
+          </a:xfrm>
+        </p:spPr>
+        <p:txBody>
+          <a:bodyPr/>
+          <a:lstStyle/>
+          <a:p>
+            <a:fld id="{E4D7E63D-91F2-4366-A2C4-1B00C9E2590E}" type="slidenum">
+              <a:rPr lang="zh-TW" altLang="en-US" smtClean="0"/>
+              <a:pPr/>
+              <a:t>24</a:t>
+            </a:fld>
+            <a:endParaRPr lang="zh-TW" altLang="en-US"/>
+          </a:p>
+        </p:txBody>
+      </p:sp>
+    </p:spTree>
+    <p:extLst>
+      <p:ext uri="{BB962C8B-B14F-4D97-AF65-F5344CB8AC3E}">
+        <p14:creationId xmlns:p14="http://schemas.microsoft.com/office/powerpoint/2010/main" val="599209538"/>
+      </p:ext>
+    </p:extLst>
+  </p:cSld>
+  <p:clrMapOvr>
+    <a:masterClrMapping/>
+  </p:clrMapOvr>
+</p:sld>
+</file>
+
+<file path=ppt/slides/slide25.xml><?xml version="1.0" encoding="utf-8"?>
+<p:sld xmlns:a="http://schemas.openxmlformats.org/drawingml/2006/main" xmlns:r="http://schemas.openxmlformats.org/officeDocument/2006/relationships" xmlns:p="http://schemas.openxmlformats.org/presentationml/2006/main">
+  <p:cSld>
+    <p:spTree>
+      <p:nvGrpSpPr>
+        <p:cNvPr id="1" name=""/>
+        <p:cNvGrpSpPr/>
+        <p:nvPr/>
+      </p:nvGrpSpPr>
+      <p:grpSpPr>
+        <a:xfrm>
+          <a:off x="0" y="0"/>
+          <a:ext cx="0" cy="0"/>
+          <a:chOff x="0" y="0"/>
+          <a:chExt cx="0" cy="0"/>
+        </a:xfrm>
+      </p:grpSpPr>
+      <p:sp>
+        <p:nvSpPr>
+          <p:cNvPr id="2" name="標題 1"/>
+          <p:cNvSpPr>
+            <a:spLocks noGrp="1"/>
+          </p:cNvSpPr>
+          <p:nvPr>
+            <p:ph type="ctrTitle"/>
+          </p:nvPr>
+        </p:nvSpPr>
+        <p:spPr>
+          <a:xfrm>
+            <a:off x="0" y="1"/>
+            <a:ext cx="9144000" cy="764704"/>
+          </a:xfrm>
+          <a:gradFill flip="none" rotWithShape="1">
+            <a:gsLst>
+              <a:gs pos="0">
+                <a:srgbClr val="C00000">
+                  <a:shade val="30000"/>
+                  <a:satMod val="115000"/>
+                </a:srgbClr>
+              </a:gs>
+              <a:gs pos="50000">
+                <a:srgbClr val="C00000">
+                  <a:shade val="67500"/>
+                  <a:satMod val="115000"/>
+                </a:srgbClr>
+              </a:gs>
+              <a:gs pos="100000">
+                <a:srgbClr val="C00000">
+                  <a:shade val="100000"/>
+                  <a:satMod val="115000"/>
+                </a:srgbClr>
+              </a:gs>
+            </a:gsLst>
+            <a:path path="circle">
+              <a:fillToRect t="100000" r="100000"/>
+            </a:path>
+            <a:tileRect l="-100000" b="-100000"/>
+          </a:gradFill>
+        </p:spPr>
+        <p:txBody>
+          <a:bodyPr>
+            <a:normAutofit/>
+          </a:bodyPr>
+          <a:lstStyle/>
+          <a:p>
+            <a:pPr algn="l"/>
+            <a:r>
+              <a:rPr lang="en-US" altLang="zh-TW" b="1" dirty="0">
+                <a:solidFill>
+                  <a:srgbClr val="FFFF00"/>
+                </a:solidFill>
+              </a:rPr>
+              <a:t>35.6 Quiz</a:t>
+            </a:r>
+            <a:endParaRPr lang="zh-TW" altLang="en-US" b="1" dirty="0">
+              <a:solidFill>
+                <a:srgbClr val="FFFF00"/>
+              </a:solidFill>
+            </a:endParaRPr>
+          </a:p>
+        </p:txBody>
+      </p:sp>
+      <p:sp>
+        <p:nvSpPr>
+          <p:cNvPr id="3" name="副標題 2"/>
+          <p:cNvSpPr>
+            <a:spLocks noGrp="1"/>
+          </p:cNvSpPr>
+          <p:nvPr>
+            <p:ph type="subTitle" idx="1"/>
+          </p:nvPr>
+        </p:nvSpPr>
+        <p:spPr>
+          <a:xfrm>
+            <a:off x="467544" y="1340763"/>
+            <a:ext cx="8219256" cy="1236139"/>
+          </a:xfrm>
+          <a:ln>
+            <a:solidFill>
+              <a:srgbClr val="C00000"/>
+            </a:solidFill>
+          </a:ln>
+        </p:spPr>
+        <p:txBody>
+          <a:bodyPr>
+            <a:noAutofit/>
+          </a:bodyPr>
+          <a:lstStyle/>
+          <a:p>
+            <a:pPr marL="342900" indent="-342900" algn="l">
+              <a:buClr>
+                <a:srgbClr val="0070C0"/>
+              </a:buClr>
+              <a:buSzPct val="80000"/>
+              <a:buFont typeface="Wingdings" pitchFamily="2" charset="2"/>
+              <a:buChar char="u"/>
+            </a:pPr>
+            <a:r>
+              <a:rPr lang="en-US" altLang="zh-TW" sz="1800" b="1" dirty="0">
+                <a:solidFill>
+                  <a:schemeClr val="tx1"/>
+                </a:solidFill>
+                <a:latin typeface="+mj-lt"/>
+              </a:rPr>
+              <a:t>Quiz</a:t>
+            </a:r>
+          </a:p>
+          <a:p>
+            <a:pPr marL="342900" indent="-342900" algn="l">
+              <a:buClr>
+                <a:srgbClr val="0070C0"/>
+              </a:buClr>
+              <a:buSzPct val="80000"/>
+              <a:buFont typeface="Wingdings" pitchFamily="2" charset="2"/>
+              <a:buChar char="u"/>
+            </a:pPr>
+            <a:r>
+              <a:rPr lang="en-US" altLang="zh-TW" sz="1800" dirty="0">
+                <a:solidFill>
+                  <a:schemeClr val="tx1"/>
+                </a:solidFill>
+              </a:rPr>
+              <a:t>2. Give an example of HOC.</a:t>
+            </a:r>
+          </a:p>
+          <a:p>
+            <a:pPr marL="342900" indent="-342900" algn="l">
+              <a:buClr>
+                <a:srgbClr val="0070C0"/>
+              </a:buClr>
+              <a:buSzPct val="80000"/>
+              <a:buFont typeface="Wingdings" pitchFamily="2" charset="2"/>
+              <a:buChar char="u"/>
+            </a:pPr>
+            <a:r>
+              <a:rPr lang="en-US" altLang="zh-TW" sz="1800" dirty="0">
+                <a:solidFill>
+                  <a:schemeClr val="tx1"/>
+                </a:solidFill>
+              </a:rPr>
+              <a:t>Ans: 1) Pass parameters from top to bottom. 2) Pass up the handler from bottom to top. </a:t>
+            </a:r>
+          </a:p>
+        </p:txBody>
+      </p:sp>
+      <p:sp>
+        <p:nvSpPr>
+          <p:cNvPr id="4" name="標題 1"/>
+          <p:cNvSpPr txBox="1">
+            <a:spLocks/>
+          </p:cNvSpPr>
+          <p:nvPr/>
+        </p:nvSpPr>
+        <p:spPr>
+          <a:xfrm>
+            <a:off x="0" y="764704"/>
+            <a:ext cx="9144000" cy="398616"/>
+          </a:xfrm>
+          <a:prstGeom prst="rect">
+            <a:avLst/>
+          </a:prstGeom>
+          <a:gradFill flip="none" rotWithShape="1">
+            <a:gsLst>
+              <a:gs pos="0">
+                <a:srgbClr val="00B0F0">
+                  <a:shade val="30000"/>
+                  <a:satMod val="115000"/>
+                </a:srgbClr>
+              </a:gs>
+              <a:gs pos="50000">
+                <a:srgbClr val="00B0F0">
+                  <a:shade val="67500"/>
+                  <a:satMod val="115000"/>
+                </a:srgbClr>
+              </a:gs>
+              <a:gs pos="100000">
+                <a:srgbClr val="00B0F0">
+                  <a:shade val="100000"/>
+                  <a:satMod val="115000"/>
+                </a:srgbClr>
+              </a:gs>
+            </a:gsLst>
+            <a:path path="circle">
+              <a:fillToRect t="100000" r="100000"/>
+            </a:path>
+            <a:tileRect l="-100000" b="-100000"/>
+          </a:gradFill>
+        </p:spPr>
+        <p:txBody>
+          <a:bodyPr vert="horz" lIns="91440" tIns="45720" rIns="91440" bIns="45720" rtlCol="0" anchor="ctr">
+            <a:normAutofit/>
+          </a:bodyPr>
+          <a:lstStyle/>
+          <a:p>
+            <a:r>
+              <a:rPr lang="en-US" sz="1600" dirty="0">
+                <a:hlinkClick r:id="rId2"/>
+              </a:rPr>
+              <a:t>https://www.youtube.com/watch?v=l8V59zIdBXU&amp;list=PLC3y8-rFHvwgg3vaYJgHGnModB54rxOk3&amp;index=35</a:t>
+            </a:r>
+            <a:endParaRPr lang="en-US" altLang="zh-TW" sz="1600" b="1" i="1" dirty="0"/>
+          </a:p>
+        </p:txBody>
+      </p:sp>
+      <p:sp>
+        <p:nvSpPr>
+          <p:cNvPr id="5" name="日期版面配置區 4"/>
+          <p:cNvSpPr>
+            <a:spLocks noGrp="1"/>
+          </p:cNvSpPr>
+          <p:nvPr>
+            <p:ph type="dt" sz="half" idx="10"/>
+          </p:nvPr>
+        </p:nvSpPr>
+        <p:spPr>
+          <a:xfrm>
+            <a:off x="457200" y="6356350"/>
+            <a:ext cx="2133600" cy="404246"/>
+          </a:xfrm>
+        </p:spPr>
+        <p:txBody>
+          <a:bodyPr/>
+          <a:lstStyle/>
+          <a:p>
+            <a:fld id="{A4F910E6-8D00-4BAF-8C48-9688E0B449D3}" type="datetime1">
+              <a:rPr lang="zh-TW" altLang="en-US" smtClean="0"/>
+              <a:pPr/>
+              <a:t>2020/6/28</a:t>
+            </a:fld>
+            <a:endParaRPr lang="zh-TW" altLang="en-US"/>
+          </a:p>
+        </p:txBody>
+      </p:sp>
+      <p:sp>
+        <p:nvSpPr>
+          <p:cNvPr id="6" name="投影片編號版面配置區 5"/>
+          <p:cNvSpPr>
+            <a:spLocks noGrp="1"/>
+          </p:cNvSpPr>
+          <p:nvPr>
+            <p:ph type="sldNum" sz="quarter" idx="12"/>
+          </p:nvPr>
+        </p:nvSpPr>
+        <p:spPr>
+          <a:xfrm>
+            <a:off x="6553200" y="6356350"/>
+            <a:ext cx="2133600" cy="404246"/>
+          </a:xfrm>
+        </p:spPr>
+        <p:txBody>
+          <a:bodyPr/>
+          <a:lstStyle/>
+          <a:p>
+            <a:fld id="{E4D7E63D-91F2-4366-A2C4-1B00C9E2590E}" type="slidenum">
+              <a:rPr lang="zh-TW" altLang="en-US" smtClean="0"/>
+              <a:pPr/>
+              <a:t>25</a:t>
+            </a:fld>
+            <a:endParaRPr lang="zh-TW" altLang="en-US"/>
+          </a:p>
+        </p:txBody>
+      </p:sp>
+      <p:pic>
+        <p:nvPicPr>
+          <p:cNvPr id="7" name="Picture 6">
+            <a:extLst>
+              <a:ext uri="{FF2B5EF4-FFF2-40B4-BE49-F238E27FC236}">
+                <a16:creationId xmlns:a16="http://schemas.microsoft.com/office/drawing/2014/main" id="{8F2520B3-A43F-45CB-9373-39B723D61511}"/>
+              </a:ext>
+            </a:extLst>
+          </p:cNvPr>
+          <p:cNvPicPr>
+            <a:picLocks noChangeAspect="1"/>
+          </p:cNvPicPr>
+          <p:nvPr/>
+        </p:nvPicPr>
+        <p:blipFill>
+          <a:blip r:embed="rId3"/>
+          <a:stretch>
+            <a:fillRect/>
+          </a:stretch>
+        </p:blipFill>
+        <p:spPr>
+          <a:xfrm>
+            <a:off x="467544" y="2886364"/>
+            <a:ext cx="2687630" cy="2144563"/>
+          </a:xfrm>
+          <a:prstGeom prst="rect">
+            <a:avLst/>
+          </a:prstGeom>
+          <a:ln>
+            <a:solidFill>
+              <a:srgbClr val="C00000"/>
+            </a:solidFill>
+          </a:ln>
+        </p:spPr>
+      </p:pic>
+      <p:sp>
+        <p:nvSpPr>
+          <p:cNvPr id="8" name="Rectangle 7">
+            <a:extLst>
+              <a:ext uri="{FF2B5EF4-FFF2-40B4-BE49-F238E27FC236}">
+                <a16:creationId xmlns:a16="http://schemas.microsoft.com/office/drawing/2014/main" id="{D519301B-FCD8-4878-B500-87CEED9DDFE1}"/>
+              </a:ext>
+            </a:extLst>
+          </p:cNvPr>
+          <p:cNvSpPr/>
+          <p:nvPr/>
+        </p:nvSpPr>
+        <p:spPr>
+          <a:xfrm>
+            <a:off x="1115616" y="4128389"/>
+            <a:ext cx="1475184" cy="283746"/>
+          </a:xfrm>
+          <a:prstGeom prst="rect">
+            <a:avLst/>
+          </a:prstGeom>
+          <a:noFill/>
+          <a:ln>
+            <a:solidFill>
+              <a:srgbClr val="C00000"/>
+            </a:solidFill>
+          </a:ln>
+        </p:spPr>
+        <p:style>
+          <a:lnRef idx="2">
+            <a:schemeClr val="accent1">
+              <a:shade val="50000"/>
+            </a:schemeClr>
+          </a:lnRef>
+          <a:fillRef idx="1">
+            <a:schemeClr val="accent1"/>
+          </a:fillRef>
+          <a:effectRef idx="0">
+            <a:schemeClr val="accent1"/>
+          </a:effectRef>
+          <a:fontRef idx="minor">
+            <a:schemeClr val="lt1"/>
+          </a:fontRef>
+        </p:style>
+        <p:txBody>
+          <a:bodyPr rtlCol="0" anchor="ctr"/>
+          <a:lstStyle/>
+          <a:p>
+            <a:pPr algn="ctr"/>
+            <a:endParaRPr lang="en-US"/>
+          </a:p>
+        </p:txBody>
+      </p:sp>
+      <p:pic>
+        <p:nvPicPr>
+          <p:cNvPr id="9" name="Picture 8">
+            <a:extLst>
+              <a:ext uri="{FF2B5EF4-FFF2-40B4-BE49-F238E27FC236}">
+                <a16:creationId xmlns:a16="http://schemas.microsoft.com/office/drawing/2014/main" id="{A81AA6C0-2E91-4D17-84D2-A64EB8BCA026}"/>
+              </a:ext>
+            </a:extLst>
+          </p:cNvPr>
+          <p:cNvPicPr>
+            <a:picLocks noChangeAspect="1"/>
+          </p:cNvPicPr>
+          <p:nvPr/>
+        </p:nvPicPr>
+        <p:blipFill>
+          <a:blip r:embed="rId4"/>
+          <a:stretch>
+            <a:fillRect/>
+          </a:stretch>
+        </p:blipFill>
+        <p:spPr>
+          <a:xfrm>
+            <a:off x="3423816" y="2815591"/>
+            <a:ext cx="2198938" cy="1717043"/>
+          </a:xfrm>
+          <a:prstGeom prst="rect">
+            <a:avLst/>
+          </a:prstGeom>
+          <a:ln>
+            <a:solidFill>
+              <a:srgbClr val="C00000"/>
+            </a:solidFill>
+          </a:ln>
+        </p:spPr>
+      </p:pic>
+      <p:pic>
+        <p:nvPicPr>
+          <p:cNvPr id="10" name="Picture 9">
+            <a:extLst>
+              <a:ext uri="{FF2B5EF4-FFF2-40B4-BE49-F238E27FC236}">
+                <a16:creationId xmlns:a16="http://schemas.microsoft.com/office/drawing/2014/main" id="{6F4BF524-6BC4-4CDE-A020-AAD95651FE2F}"/>
+              </a:ext>
+            </a:extLst>
+          </p:cNvPr>
+          <p:cNvPicPr>
+            <a:picLocks noChangeAspect="1"/>
+          </p:cNvPicPr>
+          <p:nvPr/>
+        </p:nvPicPr>
+        <p:blipFill>
+          <a:blip r:embed="rId5"/>
+          <a:stretch>
+            <a:fillRect/>
+          </a:stretch>
+        </p:blipFill>
+        <p:spPr>
+          <a:xfrm>
+            <a:off x="3347864" y="4797152"/>
+            <a:ext cx="2274890" cy="1729669"/>
+          </a:xfrm>
+          <a:prstGeom prst="rect">
+            <a:avLst/>
+          </a:prstGeom>
+          <a:ln>
+            <a:solidFill>
+              <a:srgbClr val="C00000"/>
+            </a:solidFill>
+          </a:ln>
+        </p:spPr>
+      </p:pic>
+      <p:cxnSp>
+        <p:nvCxnSpPr>
+          <p:cNvPr id="11" name="Straight Arrow Connector 10">
+            <a:extLst>
+              <a:ext uri="{FF2B5EF4-FFF2-40B4-BE49-F238E27FC236}">
+                <a16:creationId xmlns:a16="http://schemas.microsoft.com/office/drawing/2014/main" id="{F9FF5FF5-DE0A-4003-B96D-91303AB4F83E}"/>
+              </a:ext>
+            </a:extLst>
+          </p:cNvPr>
+          <p:cNvCxnSpPr>
+            <a:stCxn id="8" idx="3"/>
+            <a:endCxn id="9" idx="1"/>
+          </p:cNvCxnSpPr>
+          <p:nvPr/>
+        </p:nvCxnSpPr>
+        <p:spPr>
+          <a:xfrm flipV="1">
+            <a:off x="2590800" y="3674113"/>
+            <a:ext cx="833016" cy="596149"/>
+          </a:xfrm>
+          <a:prstGeom prst="straightConnector1">
+            <a:avLst/>
+          </a:prstGeom>
+          <a:ln>
+            <a:solidFill>
+              <a:srgbClr val="C00000"/>
+            </a:solidFill>
+            <a:tailEnd type="triangle"/>
+          </a:ln>
+        </p:spPr>
+        <p:style>
+          <a:lnRef idx="1">
+            <a:schemeClr val="accent1"/>
+          </a:lnRef>
+          <a:fillRef idx="0">
+            <a:schemeClr val="accent1"/>
+          </a:fillRef>
+          <a:effectRef idx="0">
+            <a:schemeClr val="accent1"/>
+          </a:effectRef>
+          <a:fontRef idx="minor">
+            <a:schemeClr val="tx1"/>
+          </a:fontRef>
+        </p:style>
+      </p:cxnSp>
+      <p:cxnSp>
+        <p:nvCxnSpPr>
+          <p:cNvPr id="12" name="Straight Arrow Connector 11">
+            <a:extLst>
+              <a:ext uri="{FF2B5EF4-FFF2-40B4-BE49-F238E27FC236}">
+                <a16:creationId xmlns:a16="http://schemas.microsoft.com/office/drawing/2014/main" id="{7A68288A-8348-4625-A162-8473DACBE246}"/>
+              </a:ext>
+            </a:extLst>
+          </p:cNvPr>
+          <p:cNvCxnSpPr>
+            <a:cxnSpLocks/>
+            <a:endCxn id="10" idx="1"/>
+          </p:cNvCxnSpPr>
+          <p:nvPr/>
+        </p:nvCxnSpPr>
+        <p:spPr>
+          <a:xfrm>
+            <a:off x="2590800" y="4270262"/>
+            <a:ext cx="757064" cy="1391725"/>
+          </a:xfrm>
+          <a:prstGeom prst="straightConnector1">
+            <a:avLst/>
+          </a:prstGeom>
+          <a:ln>
+            <a:solidFill>
+              <a:srgbClr val="C00000"/>
+            </a:solidFill>
+            <a:tailEnd type="triangle"/>
+          </a:ln>
+        </p:spPr>
+        <p:style>
+          <a:lnRef idx="1">
+            <a:schemeClr val="accent1"/>
+          </a:lnRef>
+          <a:fillRef idx="0">
+            <a:schemeClr val="accent1"/>
+          </a:fillRef>
+          <a:effectRef idx="0">
+            <a:schemeClr val="accent1"/>
+          </a:effectRef>
+          <a:fontRef idx="minor">
+            <a:schemeClr val="tx1"/>
+          </a:fontRef>
+        </p:style>
+      </p:cxnSp>
+      <p:pic>
+        <p:nvPicPr>
+          <p:cNvPr id="13" name="Picture 12">
+            <a:extLst>
+              <a:ext uri="{FF2B5EF4-FFF2-40B4-BE49-F238E27FC236}">
+                <a16:creationId xmlns:a16="http://schemas.microsoft.com/office/drawing/2014/main" id="{19655866-62FD-47EA-9CEF-9E0A09458B32}"/>
+              </a:ext>
+            </a:extLst>
+          </p:cNvPr>
+          <p:cNvPicPr>
+            <a:picLocks noChangeAspect="1"/>
+          </p:cNvPicPr>
+          <p:nvPr/>
+        </p:nvPicPr>
+        <p:blipFill>
+          <a:blip r:embed="rId6"/>
+          <a:stretch>
+            <a:fillRect/>
+          </a:stretch>
+        </p:blipFill>
+        <p:spPr>
+          <a:xfrm>
+            <a:off x="5932557" y="2815591"/>
+            <a:ext cx="2549337" cy="3131538"/>
+          </a:xfrm>
+          <a:prstGeom prst="rect">
+            <a:avLst/>
+          </a:prstGeom>
+          <a:ln>
+            <a:solidFill>
+              <a:srgbClr val="C00000"/>
+            </a:solidFill>
+          </a:ln>
+        </p:spPr>
+      </p:pic>
+      <p:sp>
+        <p:nvSpPr>
+          <p:cNvPr id="14" name="Rectangle 13">
+            <a:extLst>
+              <a:ext uri="{FF2B5EF4-FFF2-40B4-BE49-F238E27FC236}">
+                <a16:creationId xmlns:a16="http://schemas.microsoft.com/office/drawing/2014/main" id="{7A2A37DD-E336-4A32-B5B7-1BCE210363D3}"/>
+              </a:ext>
+            </a:extLst>
+          </p:cNvPr>
+          <p:cNvSpPr/>
+          <p:nvPr/>
+        </p:nvSpPr>
+        <p:spPr>
+          <a:xfrm>
+            <a:off x="4179961" y="4412135"/>
+            <a:ext cx="1098469" cy="120499"/>
+          </a:xfrm>
+          <a:prstGeom prst="rect">
+            <a:avLst/>
+          </a:prstGeom>
+          <a:noFill/>
+          <a:ln>
+            <a:solidFill>
+              <a:srgbClr val="C00000"/>
+            </a:solidFill>
+          </a:ln>
+        </p:spPr>
+        <p:style>
+          <a:lnRef idx="2">
+            <a:schemeClr val="accent1">
+              <a:shade val="50000"/>
+            </a:schemeClr>
+          </a:lnRef>
+          <a:fillRef idx="1">
+            <a:schemeClr val="accent1"/>
+          </a:fillRef>
+          <a:effectRef idx="0">
+            <a:schemeClr val="accent1"/>
+          </a:effectRef>
+          <a:fontRef idx="minor">
+            <a:schemeClr val="lt1"/>
+          </a:fontRef>
+        </p:style>
+        <p:txBody>
+          <a:bodyPr rtlCol="0" anchor="ctr"/>
+          <a:lstStyle/>
+          <a:p>
+            <a:pPr algn="ctr"/>
+            <a:endParaRPr lang="en-US"/>
+          </a:p>
+        </p:txBody>
+      </p:sp>
+      <p:sp>
+        <p:nvSpPr>
+          <p:cNvPr id="15" name="Rectangle 14">
+            <a:extLst>
+              <a:ext uri="{FF2B5EF4-FFF2-40B4-BE49-F238E27FC236}">
+                <a16:creationId xmlns:a16="http://schemas.microsoft.com/office/drawing/2014/main" id="{2BC5DD8A-A16B-41CA-98B3-74F3AC1E0EC2}"/>
+              </a:ext>
+            </a:extLst>
+          </p:cNvPr>
+          <p:cNvSpPr/>
+          <p:nvPr/>
+        </p:nvSpPr>
+        <p:spPr>
+          <a:xfrm>
+            <a:off x="4179960" y="6406322"/>
+            <a:ext cx="1098469" cy="120499"/>
+          </a:xfrm>
+          <a:prstGeom prst="rect">
+            <a:avLst/>
+          </a:prstGeom>
+          <a:noFill/>
+          <a:ln>
+            <a:solidFill>
+              <a:srgbClr val="C00000"/>
+            </a:solidFill>
+          </a:ln>
+        </p:spPr>
+        <p:style>
+          <a:lnRef idx="2">
+            <a:schemeClr val="accent1">
+              <a:shade val="50000"/>
+            </a:schemeClr>
+          </a:lnRef>
+          <a:fillRef idx="1">
+            <a:schemeClr val="accent1"/>
+          </a:fillRef>
+          <a:effectRef idx="0">
+            <a:schemeClr val="accent1"/>
+          </a:effectRef>
+          <a:fontRef idx="minor">
+            <a:schemeClr val="lt1"/>
+          </a:fontRef>
+        </p:style>
+        <p:txBody>
+          <a:bodyPr rtlCol="0" anchor="ctr"/>
+          <a:lstStyle/>
+          <a:p>
+            <a:pPr algn="ctr"/>
+            <a:endParaRPr lang="en-US"/>
+          </a:p>
+        </p:txBody>
+      </p:sp>
+      <p:cxnSp>
+        <p:nvCxnSpPr>
+          <p:cNvPr id="16" name="Straight Arrow Connector 15">
+            <a:extLst>
+              <a:ext uri="{FF2B5EF4-FFF2-40B4-BE49-F238E27FC236}">
+                <a16:creationId xmlns:a16="http://schemas.microsoft.com/office/drawing/2014/main" id="{6B3D6E4E-71CC-4147-82B4-5A3688A961CE}"/>
+              </a:ext>
+            </a:extLst>
+          </p:cNvPr>
+          <p:cNvCxnSpPr>
+            <a:cxnSpLocks/>
+            <a:stCxn id="14" idx="3"/>
+            <a:endCxn id="18" idx="1"/>
+          </p:cNvCxnSpPr>
+          <p:nvPr/>
+        </p:nvCxnSpPr>
+        <p:spPr>
+          <a:xfrm flipV="1">
+            <a:off x="5278430" y="3441737"/>
+            <a:ext cx="837752" cy="1030648"/>
+          </a:xfrm>
+          <a:prstGeom prst="straightConnector1">
+            <a:avLst/>
+          </a:prstGeom>
+          <a:ln>
+            <a:solidFill>
+              <a:srgbClr val="C00000"/>
+            </a:solidFill>
+            <a:tailEnd type="triangle"/>
+          </a:ln>
+        </p:spPr>
+        <p:style>
+          <a:lnRef idx="1">
+            <a:schemeClr val="accent1"/>
+          </a:lnRef>
+          <a:fillRef idx="0">
+            <a:schemeClr val="accent1"/>
+          </a:fillRef>
+          <a:effectRef idx="0">
+            <a:schemeClr val="accent1"/>
+          </a:effectRef>
+          <a:fontRef idx="minor">
+            <a:schemeClr val="tx1"/>
+          </a:fontRef>
+        </p:style>
+      </p:cxnSp>
+      <p:cxnSp>
+        <p:nvCxnSpPr>
+          <p:cNvPr id="17" name="Straight Arrow Connector 16">
+            <a:extLst>
+              <a:ext uri="{FF2B5EF4-FFF2-40B4-BE49-F238E27FC236}">
+                <a16:creationId xmlns:a16="http://schemas.microsoft.com/office/drawing/2014/main" id="{19E226C6-03C5-426E-9985-05FCB743F033}"/>
+              </a:ext>
+            </a:extLst>
+          </p:cNvPr>
+          <p:cNvCxnSpPr>
+            <a:cxnSpLocks/>
+            <a:stCxn id="15" idx="3"/>
+            <a:endCxn id="18" idx="1"/>
+          </p:cNvCxnSpPr>
+          <p:nvPr/>
+        </p:nvCxnSpPr>
+        <p:spPr>
+          <a:xfrm flipV="1">
+            <a:off x="5278429" y="3441737"/>
+            <a:ext cx="837753" cy="3024835"/>
+          </a:xfrm>
+          <a:prstGeom prst="straightConnector1">
+            <a:avLst/>
+          </a:prstGeom>
+          <a:ln>
+            <a:solidFill>
+              <a:srgbClr val="C00000"/>
+            </a:solidFill>
+            <a:tailEnd type="triangle"/>
+          </a:ln>
+        </p:spPr>
+        <p:style>
+          <a:lnRef idx="1">
+            <a:schemeClr val="accent1"/>
+          </a:lnRef>
+          <a:fillRef idx="0">
+            <a:schemeClr val="accent1"/>
+          </a:fillRef>
+          <a:effectRef idx="0">
+            <a:schemeClr val="accent1"/>
+          </a:effectRef>
+          <a:fontRef idx="minor">
+            <a:schemeClr val="tx1"/>
+          </a:fontRef>
+        </p:style>
+      </p:cxnSp>
+      <p:sp>
+        <p:nvSpPr>
+          <p:cNvPr id="18" name="Rectangle 17">
+            <a:extLst>
+              <a:ext uri="{FF2B5EF4-FFF2-40B4-BE49-F238E27FC236}">
+                <a16:creationId xmlns:a16="http://schemas.microsoft.com/office/drawing/2014/main" id="{82B33F1C-A434-466C-81F1-91EB990F233A}"/>
+              </a:ext>
+            </a:extLst>
+          </p:cNvPr>
+          <p:cNvSpPr/>
+          <p:nvPr/>
+        </p:nvSpPr>
+        <p:spPr>
+          <a:xfrm>
+            <a:off x="6116182" y="3209361"/>
+            <a:ext cx="2135652" cy="464751"/>
+          </a:xfrm>
+          <a:prstGeom prst="rect">
+            <a:avLst/>
+          </a:prstGeom>
+          <a:noFill/>
+          <a:ln>
+            <a:solidFill>
+              <a:srgbClr val="C00000"/>
+            </a:solidFill>
+          </a:ln>
+        </p:spPr>
+        <p:style>
+          <a:lnRef idx="2">
+            <a:schemeClr val="accent1">
+              <a:shade val="50000"/>
+            </a:schemeClr>
+          </a:lnRef>
+          <a:fillRef idx="1">
+            <a:schemeClr val="accent1"/>
+          </a:fillRef>
+          <a:effectRef idx="0">
+            <a:schemeClr val="accent1"/>
+          </a:effectRef>
+          <a:fontRef idx="minor">
+            <a:schemeClr val="lt1"/>
+          </a:fontRef>
+        </p:style>
+        <p:txBody>
+          <a:bodyPr rtlCol="0" anchor="ctr"/>
+          <a:lstStyle/>
+          <a:p>
+            <a:pPr algn="ctr"/>
+            <a:endParaRPr lang="en-US"/>
+          </a:p>
+        </p:txBody>
+      </p:sp>
+      <p:sp>
+        <p:nvSpPr>
+          <p:cNvPr id="19" name="Rectangle 18">
+            <a:extLst>
+              <a:ext uri="{FF2B5EF4-FFF2-40B4-BE49-F238E27FC236}">
+                <a16:creationId xmlns:a16="http://schemas.microsoft.com/office/drawing/2014/main" id="{F17FC69A-DF3F-4536-B754-7E9B17853FE1}"/>
+              </a:ext>
+            </a:extLst>
+          </p:cNvPr>
+          <p:cNvSpPr/>
+          <p:nvPr/>
+        </p:nvSpPr>
+        <p:spPr>
+          <a:xfrm>
+            <a:off x="6201198" y="5153801"/>
+            <a:ext cx="2590499" cy="1016369"/>
+          </a:xfrm>
+          <a:prstGeom prst="rect">
+            <a:avLst/>
+          </a:prstGeom>
+          <a:solidFill>
+            <a:schemeClr val="bg1">
+              <a:lumMod val="95000"/>
+            </a:schemeClr>
+          </a:solidFill>
+          <a:ln>
+            <a:solidFill>
+              <a:srgbClr val="C00000"/>
+            </a:solidFill>
+          </a:ln>
+        </p:spPr>
+        <p:style>
+          <a:lnRef idx="2">
+            <a:schemeClr val="accent1">
+              <a:shade val="50000"/>
+            </a:schemeClr>
+          </a:lnRef>
+          <a:fillRef idx="1">
+            <a:schemeClr val="accent1"/>
+          </a:fillRef>
+          <a:effectRef idx="0">
+            <a:schemeClr val="accent1"/>
+          </a:effectRef>
+          <a:fontRef idx="minor">
+            <a:schemeClr val="lt1"/>
+          </a:fontRef>
+        </p:style>
+        <p:txBody>
+          <a:bodyPr rtlCol="0" anchor="ctr"/>
+          <a:lstStyle/>
+          <a:p>
+            <a:r>
+              <a:rPr lang="en-US" sz="1000" dirty="0">
+                <a:solidFill>
+                  <a:schemeClr val="tx1"/>
+                </a:solidFill>
+              </a:rPr>
+              <a:t>const arrow function {</a:t>
+            </a:r>
+          </a:p>
+          <a:p>
+            <a:r>
+              <a:rPr lang="en-US" sz="1000" dirty="0">
+                <a:solidFill>
+                  <a:schemeClr val="tx1"/>
+                </a:solidFill>
+              </a:rPr>
+              <a:t>  class component extend </a:t>
+            </a:r>
+            <a:r>
+              <a:rPr lang="en-US" sz="1000" dirty="0" err="1">
+                <a:solidFill>
+                  <a:schemeClr val="tx1"/>
+                </a:solidFill>
+              </a:rPr>
+              <a:t>React.Component</a:t>
+            </a:r>
+            <a:r>
+              <a:rPr lang="en-US" sz="1000" dirty="0">
+                <a:solidFill>
+                  <a:schemeClr val="tx1"/>
+                </a:solidFill>
+              </a:rPr>
+              <a:t>{</a:t>
+            </a:r>
+          </a:p>
+          <a:p>
+            <a:r>
+              <a:rPr lang="en-US" sz="1000" dirty="0">
+                <a:solidFill>
+                  <a:schemeClr val="tx1"/>
+                </a:solidFill>
+              </a:rPr>
+              <a:t>        ….</a:t>
+            </a:r>
+          </a:p>
+          <a:p>
+            <a:r>
+              <a:rPr lang="en-US" sz="1000" dirty="0">
+                <a:solidFill>
+                  <a:schemeClr val="tx1"/>
+                </a:solidFill>
+              </a:rPr>
+              <a:t>  }</a:t>
+            </a:r>
+          </a:p>
+          <a:p>
+            <a:r>
+              <a:rPr lang="en-US" sz="1000" dirty="0">
+                <a:solidFill>
+                  <a:schemeClr val="tx1"/>
+                </a:solidFill>
+              </a:rPr>
+              <a:t>}</a:t>
+            </a:r>
+          </a:p>
+        </p:txBody>
+      </p:sp>
+      <p:sp>
+        <p:nvSpPr>
+          <p:cNvPr id="20" name="Oval 19">
+            <a:extLst>
+              <a:ext uri="{FF2B5EF4-FFF2-40B4-BE49-F238E27FC236}">
+                <a16:creationId xmlns:a16="http://schemas.microsoft.com/office/drawing/2014/main" id="{2E6215AA-A274-4DC9-8BA2-6F2E155265FF}"/>
+              </a:ext>
+            </a:extLst>
+          </p:cNvPr>
+          <p:cNvSpPr/>
+          <p:nvPr/>
+        </p:nvSpPr>
+        <p:spPr>
+          <a:xfrm>
+            <a:off x="2771800" y="3789040"/>
+            <a:ext cx="214998" cy="216024"/>
+          </a:xfrm>
+          <a:prstGeom prst="ellipse">
+            <a:avLst/>
+          </a:prstGeom>
+          <a:solidFill>
+            <a:srgbClr val="FFFF00"/>
+          </a:solidFill>
+          <a:ln>
+            <a:solidFill>
+              <a:srgbClr val="C00000"/>
+            </a:solidFill>
+          </a:ln>
+        </p:spPr>
+        <p:style>
+          <a:lnRef idx="2">
+            <a:schemeClr val="accent1">
+              <a:shade val="50000"/>
+            </a:schemeClr>
+          </a:lnRef>
+          <a:fillRef idx="1">
+            <a:schemeClr val="accent1"/>
+          </a:fillRef>
+          <a:effectRef idx="0">
+            <a:schemeClr val="accent1"/>
+          </a:effectRef>
+          <a:fontRef idx="minor">
+            <a:schemeClr val="lt1"/>
+          </a:fontRef>
+        </p:style>
+        <p:txBody>
+          <a:bodyPr rtlCol="0" anchor="ctr"/>
+          <a:lstStyle/>
+          <a:p>
+            <a:pPr algn="ctr"/>
+            <a:r>
+              <a:rPr lang="en-US" dirty="0">
+                <a:solidFill>
+                  <a:schemeClr val="tx1"/>
+                </a:solidFill>
+              </a:rPr>
+              <a:t>1</a:t>
+            </a:r>
+          </a:p>
+        </p:txBody>
+      </p:sp>
+      <p:sp>
+        <p:nvSpPr>
+          <p:cNvPr id="21" name="Oval 20">
+            <a:extLst>
+              <a:ext uri="{FF2B5EF4-FFF2-40B4-BE49-F238E27FC236}">
+                <a16:creationId xmlns:a16="http://schemas.microsoft.com/office/drawing/2014/main" id="{67AA7B3F-4B36-4EC0-A9CD-0E72D848EFA8}"/>
+              </a:ext>
+            </a:extLst>
+          </p:cNvPr>
+          <p:cNvSpPr/>
+          <p:nvPr/>
+        </p:nvSpPr>
+        <p:spPr>
+          <a:xfrm>
+            <a:off x="2775565" y="4661141"/>
+            <a:ext cx="214998" cy="216024"/>
+          </a:xfrm>
+          <a:prstGeom prst="ellipse">
+            <a:avLst/>
+          </a:prstGeom>
+          <a:solidFill>
+            <a:srgbClr val="FFFF00"/>
+          </a:solidFill>
+          <a:ln>
+            <a:solidFill>
+              <a:srgbClr val="C00000"/>
+            </a:solidFill>
+          </a:ln>
+        </p:spPr>
+        <p:style>
+          <a:lnRef idx="2">
+            <a:schemeClr val="accent1">
+              <a:shade val="50000"/>
+            </a:schemeClr>
+          </a:lnRef>
+          <a:fillRef idx="1">
+            <a:schemeClr val="accent1"/>
+          </a:fillRef>
+          <a:effectRef idx="0">
+            <a:schemeClr val="accent1"/>
+          </a:effectRef>
+          <a:fontRef idx="minor">
+            <a:schemeClr val="lt1"/>
+          </a:fontRef>
+        </p:style>
+        <p:txBody>
+          <a:bodyPr rtlCol="0" anchor="ctr"/>
+          <a:lstStyle/>
+          <a:p>
+            <a:pPr algn="ctr"/>
+            <a:r>
+              <a:rPr lang="en-US" dirty="0">
+                <a:solidFill>
+                  <a:schemeClr val="tx1"/>
+                </a:solidFill>
+              </a:rPr>
+              <a:t>1</a:t>
+            </a:r>
+          </a:p>
+        </p:txBody>
+      </p:sp>
+      <p:sp>
+        <p:nvSpPr>
+          <p:cNvPr id="22" name="Oval 21">
+            <a:extLst>
+              <a:ext uri="{FF2B5EF4-FFF2-40B4-BE49-F238E27FC236}">
+                <a16:creationId xmlns:a16="http://schemas.microsoft.com/office/drawing/2014/main" id="{C07342F0-95A9-4E6E-A306-EB6BDF205AF4}"/>
+              </a:ext>
+            </a:extLst>
+          </p:cNvPr>
+          <p:cNvSpPr/>
+          <p:nvPr/>
+        </p:nvSpPr>
+        <p:spPr>
+          <a:xfrm>
+            <a:off x="5332074" y="3972187"/>
+            <a:ext cx="214998" cy="216024"/>
+          </a:xfrm>
+          <a:prstGeom prst="ellipse">
+            <a:avLst/>
+          </a:prstGeom>
+          <a:solidFill>
+            <a:srgbClr val="FFFF00"/>
+          </a:solidFill>
+          <a:ln>
+            <a:solidFill>
+              <a:srgbClr val="C00000"/>
+            </a:solidFill>
+          </a:ln>
+        </p:spPr>
+        <p:style>
+          <a:lnRef idx="2">
+            <a:schemeClr val="accent1">
+              <a:shade val="50000"/>
+            </a:schemeClr>
+          </a:lnRef>
+          <a:fillRef idx="1">
+            <a:schemeClr val="accent1"/>
+          </a:fillRef>
+          <a:effectRef idx="0">
+            <a:schemeClr val="accent1"/>
+          </a:effectRef>
+          <a:fontRef idx="minor">
+            <a:schemeClr val="lt1"/>
+          </a:fontRef>
+        </p:style>
+        <p:txBody>
+          <a:bodyPr rtlCol="0" anchor="ctr"/>
+          <a:lstStyle/>
+          <a:p>
+            <a:pPr algn="ctr"/>
+            <a:r>
+              <a:rPr lang="en-US" dirty="0">
+                <a:solidFill>
+                  <a:schemeClr val="tx1"/>
+                </a:solidFill>
+              </a:rPr>
+              <a:t>2</a:t>
+            </a:r>
+          </a:p>
+        </p:txBody>
+      </p:sp>
+      <p:sp>
+        <p:nvSpPr>
+          <p:cNvPr id="23" name="Oval 22">
+            <a:extLst>
+              <a:ext uri="{FF2B5EF4-FFF2-40B4-BE49-F238E27FC236}">
+                <a16:creationId xmlns:a16="http://schemas.microsoft.com/office/drawing/2014/main" id="{03658922-A03A-4A85-B285-65C72C37CD21}"/>
+              </a:ext>
+            </a:extLst>
+          </p:cNvPr>
+          <p:cNvSpPr/>
+          <p:nvPr/>
+        </p:nvSpPr>
+        <p:spPr>
+          <a:xfrm>
+            <a:off x="5418452" y="5027998"/>
+            <a:ext cx="214998" cy="216024"/>
+          </a:xfrm>
+          <a:prstGeom prst="ellipse">
+            <a:avLst/>
+          </a:prstGeom>
+          <a:solidFill>
+            <a:srgbClr val="FFFF00"/>
+          </a:solidFill>
+          <a:ln>
+            <a:solidFill>
+              <a:srgbClr val="C00000"/>
+            </a:solidFill>
+          </a:ln>
+        </p:spPr>
+        <p:style>
+          <a:lnRef idx="2">
+            <a:schemeClr val="accent1">
+              <a:shade val="50000"/>
+            </a:schemeClr>
+          </a:lnRef>
+          <a:fillRef idx="1">
+            <a:schemeClr val="accent1"/>
+          </a:fillRef>
+          <a:effectRef idx="0">
+            <a:schemeClr val="accent1"/>
+          </a:effectRef>
+          <a:fontRef idx="minor">
+            <a:schemeClr val="lt1"/>
+          </a:fontRef>
+        </p:style>
+        <p:txBody>
+          <a:bodyPr rtlCol="0" anchor="ctr"/>
+          <a:lstStyle/>
+          <a:p>
+            <a:pPr algn="ctr"/>
+            <a:r>
+              <a:rPr lang="en-US" dirty="0">
+                <a:solidFill>
+                  <a:schemeClr val="tx1"/>
+                </a:solidFill>
+              </a:rPr>
+              <a:t>2</a:t>
+            </a:r>
+          </a:p>
+        </p:txBody>
+      </p:sp>
+    </p:spTree>
+    <p:extLst>
+      <p:ext uri="{BB962C8B-B14F-4D97-AF65-F5344CB8AC3E}">
+        <p14:creationId xmlns:p14="http://schemas.microsoft.com/office/powerpoint/2010/main" val="2721304092"/>
+      </p:ext>
+    </p:extLst>
+  </p:cSld>
+  <p:clrMapOvr>
+    <a:masterClrMapping/>
+  </p:clrMapOvr>
+</p:sld>
+</file>
+
+<file path=ppt/slides/slide26.xml><?xml version="1.0" encoding="utf-8"?>
+<p:sld xmlns:a="http://schemas.openxmlformats.org/drawingml/2006/main" xmlns:r="http://schemas.openxmlformats.org/officeDocument/2006/relationships" xmlns:p="http://schemas.openxmlformats.org/presentationml/2006/main">
+  <p:cSld>
+    <p:spTree>
+      <p:nvGrpSpPr>
+        <p:cNvPr id="1" name=""/>
+        <p:cNvGrpSpPr/>
+        <p:nvPr/>
+      </p:nvGrpSpPr>
+      <p:grpSpPr>
+        <a:xfrm>
+          <a:off x="0" y="0"/>
+          <a:ext cx="0" cy="0"/>
+          <a:chOff x="0" y="0"/>
+          <a:chExt cx="0" cy="0"/>
+        </a:xfrm>
+      </p:grpSpPr>
+      <p:sp>
+        <p:nvSpPr>
+          <p:cNvPr id="2" name="標題 1"/>
+          <p:cNvSpPr>
+            <a:spLocks noGrp="1"/>
+          </p:cNvSpPr>
+          <p:nvPr>
+            <p:ph type="ctrTitle"/>
+          </p:nvPr>
+        </p:nvSpPr>
+        <p:spPr>
+          <a:xfrm>
+            <a:off x="0" y="2130425"/>
+            <a:ext cx="9144000" cy="1470025"/>
+          </a:xfrm>
+          <a:gradFill flip="none" rotWithShape="1">
+            <a:gsLst>
+              <a:gs pos="0">
+                <a:srgbClr val="00B0F0">
+                  <a:shade val="30000"/>
+                  <a:satMod val="115000"/>
+                </a:srgbClr>
+              </a:gs>
+              <a:gs pos="50000">
+                <a:srgbClr val="00B0F0">
+                  <a:shade val="67500"/>
+                  <a:satMod val="115000"/>
+                </a:srgbClr>
+              </a:gs>
+              <a:gs pos="100000">
+                <a:srgbClr val="00B0F0">
+                  <a:shade val="100000"/>
+                  <a:satMod val="115000"/>
+                </a:srgbClr>
+              </a:gs>
+            </a:gsLst>
+            <a:path path="circle">
+              <a:fillToRect t="100000" r="100000"/>
+            </a:path>
+            <a:tileRect l="-100000" b="-100000"/>
+          </a:gradFill>
+        </p:spPr>
+        <p:txBody>
           <a:bodyPr>
             <a:normAutofit/>
           </a:bodyPr>
@@ -8654,7 +10381,7 @@
             <a:fld id="{4E46BE27-E923-4EC2-B046-3272AE2A3E5C}" type="datetime1">
               <a:rPr lang="zh-TW" altLang="en-US" smtClean="0"/>
               <a:pPr/>
-              <a:t>2020/5/25</a:t>
+              <a:t>2020/6/28</a:t>
             </a:fld>
             <a:endParaRPr lang="zh-TW" altLang="en-US"/>
           </a:p>
@@ -8678,7 +10405,7 @@
             <a:fld id="{E4D7E63D-91F2-4366-A2C4-1B00C9E2590E}" type="slidenum">
               <a:rPr lang="zh-TW" altLang="en-US" smtClean="0"/>
               <a:pPr/>
-              <a:t>23</a:t>
+              <a:t>26</a:t>
             </a:fld>
             <a:endParaRPr lang="zh-TW" altLang="en-US"/>
           </a:p>
@@ -8768,7 +10495,7 @@
             <a:fld id="{C389EDC9-19E3-47AC-9C57-C6A24DEA81AD}" type="datetime1">
               <a:rPr lang="zh-TW" altLang="en-US" smtClean="0"/>
               <a:pPr/>
-              <a:t>2020/5/25</a:t>
+              <a:t>2020/6/28</a:t>
             </a:fld>
             <a:endParaRPr lang="zh-TW" altLang="en-US"/>
           </a:p>
@@ -9128,7 +10855,7 @@
             <a:fld id="{A4F910E6-8D00-4BAF-8C48-9688E0B449D3}" type="datetime1">
               <a:rPr lang="zh-TW" altLang="en-US" smtClean="0"/>
               <a:pPr/>
-              <a:t>2020/5/25</a:t>
+              <a:t>2020/6/28</a:t>
             </a:fld>
             <a:endParaRPr lang="zh-TW" altLang="en-US"/>
           </a:p>
@@ -9472,7 +11199,7 @@
             <a:fld id="{A4F910E6-8D00-4BAF-8C48-9688E0B449D3}" type="datetime1">
               <a:rPr lang="zh-TW" altLang="en-US" smtClean="0"/>
               <a:pPr/>
-              <a:t>2020/5/25</a:t>
+              <a:t>2020/6/28</a:t>
             </a:fld>
             <a:endParaRPr lang="zh-TW" altLang="en-US"/>
           </a:p>
@@ -9869,7 +11596,7 @@
             <a:fld id="{A4F910E6-8D00-4BAF-8C48-9688E0B449D3}" type="datetime1">
               <a:rPr lang="zh-TW" altLang="en-US" smtClean="0"/>
               <a:pPr/>
-              <a:t>2020/5/25</a:t>
+              <a:t>2020/6/28</a:t>
             </a:fld>
             <a:endParaRPr lang="zh-TW" altLang="en-US"/>
           </a:p>
@@ -10321,7 +12048,7 @@
             <a:fld id="{A4F910E6-8D00-4BAF-8C48-9688E0B449D3}" type="datetime1">
               <a:rPr lang="zh-TW" altLang="en-US" smtClean="0"/>
               <a:pPr/>
-              <a:t>2020/5/25</a:t>
+              <a:t>2020/6/28</a:t>
             </a:fld>
             <a:endParaRPr lang="zh-TW" altLang="en-US"/>
           </a:p>
@@ -10765,7 +12492,7 @@
             <a:fld id="{A4F910E6-8D00-4BAF-8C48-9688E0B449D3}" type="datetime1">
               <a:rPr lang="zh-TW" altLang="en-US" smtClean="0"/>
               <a:pPr/>
-              <a:t>2020/5/25</a:t>
+              <a:t>2020/6/28</a:t>
             </a:fld>
             <a:endParaRPr lang="zh-TW" altLang="en-US"/>
           </a:p>
@@ -11250,7 +12977,7 @@
             <a:fld id="{A4F910E6-8D00-4BAF-8C48-9688E0B449D3}" type="datetime1">
               <a:rPr lang="zh-TW" altLang="en-US" smtClean="0"/>
               <a:pPr/>
-              <a:t>2020/5/25</a:t>
+              <a:t>2020/6/28</a:t>
             </a:fld>
             <a:endParaRPr lang="zh-TW" altLang="en-US"/>
           </a:p>

--- a/35_HOC3.pptx
+++ b/35_HOC3.pptx
@@ -5496,7 +5496,7 @@
         </p:nvSpPr>
         <p:spPr>
           <a:xfrm>
-            <a:off x="7308304" y="2060848"/>
+            <a:off x="7380312" y="1987141"/>
             <a:ext cx="1048525" cy="216024"/>
           </a:xfrm>
           <a:prstGeom prst="rect">
@@ -7908,8 +7908,8 @@
         </p:nvCxnSpPr>
         <p:spPr>
           <a:xfrm flipV="1">
-            <a:off x="5278430" y="3441737"/>
-            <a:ext cx="837752" cy="1030648"/>
+            <a:off x="5278430" y="3665996"/>
+            <a:ext cx="837752" cy="806389"/>
           </a:xfrm>
           <a:prstGeom prst="straightConnector1">
             <a:avLst/>
@@ -7954,8 +7954,8 @@
         </p:nvCxnSpPr>
         <p:spPr>
           <a:xfrm flipV="1">
-            <a:off x="5278429" y="3441737"/>
-            <a:ext cx="837753" cy="3024835"/>
+            <a:off x="5278429" y="3665996"/>
+            <a:ext cx="837753" cy="2800576"/>
           </a:xfrm>
           <a:prstGeom prst="straightConnector1">
             <a:avLst/>
@@ -7997,7 +7997,7 @@
         <p:spPr>
           <a:xfrm>
             <a:off x="6116182" y="3209361"/>
-            <a:ext cx="2135652" cy="464751"/>
+            <a:ext cx="2135652" cy="913270"/>
           </a:xfrm>
           <a:prstGeom prst="rect">
             <a:avLst/>
@@ -8048,8 +8048,8 @@
         </p:nvSpPr>
         <p:spPr>
           <a:xfrm>
-            <a:off x="6201198" y="5153801"/>
-            <a:ext cx="2590499" cy="1016369"/>
+            <a:off x="6023313" y="5994211"/>
+            <a:ext cx="2219457" cy="824222"/>
           </a:xfrm>
           <a:prstGeom prst="rect">
             <a:avLst/>
@@ -8152,6 +8152,416 @@
           </a:p>
         </p:txBody>
       </p:sp>
+      <p:sp>
+        <p:nvSpPr>
+          <p:cNvPr id="11" name="Rectangle 10">
+            <a:extLst>
+              <a:ext uri="{FF2B5EF4-FFF2-40B4-BE49-F238E27FC236}">
+                <a16:creationId xmlns:a16="http://schemas.microsoft.com/office/drawing/2014/main" id="{CF2E4FD8-8E13-436C-A8FB-41076D833CD6}"/>
+              </a:ext>
+            </a:extLst>
+          </p:cNvPr>
+          <p:cNvSpPr/>
+          <p:nvPr/>
+        </p:nvSpPr>
+        <p:spPr>
+          <a:xfrm>
+            <a:off x="7524328" y="3212976"/>
+            <a:ext cx="576064" cy="144016"/>
+          </a:xfrm>
+          <a:prstGeom prst="rect">
+            <a:avLst/>
+          </a:prstGeom>
+          <a:noFill/>
+        </p:spPr>
+        <p:style>
+          <a:lnRef idx="2">
+            <a:schemeClr val="accent1">
+              <a:shade val="50000"/>
+            </a:schemeClr>
+          </a:lnRef>
+          <a:fillRef idx="1">
+            <a:schemeClr val="accent1"/>
+          </a:fillRef>
+          <a:effectRef idx="0">
+            <a:schemeClr val="accent1"/>
+          </a:effectRef>
+          <a:fontRef idx="minor">
+            <a:schemeClr val="lt1"/>
+          </a:fontRef>
+        </p:style>
+        <p:txBody>
+          <a:bodyPr rtlCol="0" anchor="ctr"/>
+          <a:lstStyle/>
+          <a:p>
+            <a:pPr algn="ctr"/>
+            <a:endParaRPr lang="en-US"/>
+          </a:p>
+        </p:txBody>
+      </p:sp>
+      <p:sp>
+        <p:nvSpPr>
+          <p:cNvPr id="21" name="Rectangle 20">
+            <a:extLst>
+              <a:ext uri="{FF2B5EF4-FFF2-40B4-BE49-F238E27FC236}">
+                <a16:creationId xmlns:a16="http://schemas.microsoft.com/office/drawing/2014/main" id="{ACCFAC27-89A8-422B-B004-9486B17FF5E6}"/>
+              </a:ext>
+            </a:extLst>
+          </p:cNvPr>
+          <p:cNvSpPr/>
+          <p:nvPr/>
+        </p:nvSpPr>
+        <p:spPr>
+          <a:xfrm>
+            <a:off x="7892595" y="4270262"/>
+            <a:ext cx="576064" cy="144016"/>
+          </a:xfrm>
+          <a:prstGeom prst="rect">
+            <a:avLst/>
+          </a:prstGeom>
+          <a:noFill/>
+        </p:spPr>
+        <p:style>
+          <a:lnRef idx="2">
+            <a:schemeClr val="accent1">
+              <a:shade val="50000"/>
+            </a:schemeClr>
+          </a:lnRef>
+          <a:fillRef idx="1">
+            <a:schemeClr val="accent1"/>
+          </a:fillRef>
+          <a:effectRef idx="0">
+            <a:schemeClr val="accent1"/>
+          </a:effectRef>
+          <a:fontRef idx="minor">
+            <a:schemeClr val="lt1"/>
+          </a:fontRef>
+        </p:style>
+        <p:txBody>
+          <a:bodyPr rtlCol="0" anchor="ctr"/>
+          <a:lstStyle/>
+          <a:p>
+            <a:pPr algn="ctr"/>
+            <a:endParaRPr lang="en-US"/>
+          </a:p>
+        </p:txBody>
+      </p:sp>
+      <p:cxnSp>
+        <p:nvCxnSpPr>
+          <p:cNvPr id="15" name="Straight Arrow Connector 14">
+            <a:extLst>
+              <a:ext uri="{FF2B5EF4-FFF2-40B4-BE49-F238E27FC236}">
+                <a16:creationId xmlns:a16="http://schemas.microsoft.com/office/drawing/2014/main" id="{5F5428E7-F932-425A-AC69-9841177FD5BF}"/>
+              </a:ext>
+            </a:extLst>
+          </p:cNvPr>
+          <p:cNvCxnSpPr>
+            <a:stCxn id="11" idx="2"/>
+            <a:endCxn id="21" idx="0"/>
+          </p:cNvCxnSpPr>
+          <p:nvPr/>
+        </p:nvCxnSpPr>
+        <p:spPr>
+          <a:xfrm>
+            <a:off x="7812360" y="3356992"/>
+            <a:ext cx="368267" cy="913270"/>
+          </a:xfrm>
+          <a:prstGeom prst="straightConnector1">
+            <a:avLst/>
+          </a:prstGeom>
+          <a:ln>
+            <a:tailEnd type="triangle"/>
+          </a:ln>
+        </p:spPr>
+        <p:style>
+          <a:lnRef idx="1">
+            <a:schemeClr val="accent1"/>
+          </a:lnRef>
+          <a:fillRef idx="0">
+            <a:schemeClr val="accent1"/>
+          </a:fillRef>
+          <a:effectRef idx="0">
+            <a:schemeClr val="accent1"/>
+          </a:effectRef>
+          <a:fontRef idx="minor">
+            <a:schemeClr val="tx1"/>
+          </a:fontRef>
+        </p:style>
+      </p:cxnSp>
+      <p:sp>
+        <p:nvSpPr>
+          <p:cNvPr id="28" name="Rectangle 27">
+            <a:extLst>
+              <a:ext uri="{FF2B5EF4-FFF2-40B4-BE49-F238E27FC236}">
+                <a16:creationId xmlns:a16="http://schemas.microsoft.com/office/drawing/2014/main" id="{3A5964D9-0E99-4FA5-B5C4-453A62C75B7D}"/>
+              </a:ext>
+            </a:extLst>
+          </p:cNvPr>
+          <p:cNvSpPr/>
+          <p:nvPr/>
+        </p:nvSpPr>
+        <p:spPr>
+          <a:xfrm>
+            <a:off x="6607944" y="3615818"/>
+            <a:ext cx="772368" cy="389245"/>
+          </a:xfrm>
+          <a:prstGeom prst="rect">
+            <a:avLst/>
+          </a:prstGeom>
+          <a:noFill/>
+        </p:spPr>
+        <p:style>
+          <a:lnRef idx="2">
+            <a:schemeClr val="accent1">
+              <a:shade val="50000"/>
+            </a:schemeClr>
+          </a:lnRef>
+          <a:fillRef idx="1">
+            <a:schemeClr val="accent1"/>
+          </a:fillRef>
+          <a:effectRef idx="0">
+            <a:schemeClr val="accent1"/>
+          </a:effectRef>
+          <a:fontRef idx="minor">
+            <a:schemeClr val="lt1"/>
+          </a:fontRef>
+        </p:style>
+        <p:txBody>
+          <a:bodyPr rtlCol="0" anchor="ctr"/>
+          <a:lstStyle/>
+          <a:p>
+            <a:pPr algn="ctr"/>
+            <a:endParaRPr lang="en-US"/>
+          </a:p>
+        </p:txBody>
+      </p:sp>
+      <p:sp>
+        <p:nvSpPr>
+          <p:cNvPr id="30" name="Rectangle 29">
+            <a:extLst>
+              <a:ext uri="{FF2B5EF4-FFF2-40B4-BE49-F238E27FC236}">
+                <a16:creationId xmlns:a16="http://schemas.microsoft.com/office/drawing/2014/main" id="{E249053A-1F0C-4CCF-9BFC-435623B4A95D}"/>
+              </a:ext>
+            </a:extLst>
+          </p:cNvPr>
+          <p:cNvSpPr/>
+          <p:nvPr/>
+        </p:nvSpPr>
+        <p:spPr>
+          <a:xfrm>
+            <a:off x="7133041" y="4973724"/>
+            <a:ext cx="576064" cy="122312"/>
+          </a:xfrm>
+          <a:prstGeom prst="rect">
+            <a:avLst/>
+          </a:prstGeom>
+          <a:noFill/>
+        </p:spPr>
+        <p:style>
+          <a:lnRef idx="2">
+            <a:schemeClr val="accent1">
+              <a:shade val="50000"/>
+            </a:schemeClr>
+          </a:lnRef>
+          <a:fillRef idx="1">
+            <a:schemeClr val="accent1"/>
+          </a:fillRef>
+          <a:effectRef idx="0">
+            <a:schemeClr val="accent1"/>
+          </a:effectRef>
+          <a:fontRef idx="minor">
+            <a:schemeClr val="lt1"/>
+          </a:fontRef>
+        </p:style>
+        <p:txBody>
+          <a:bodyPr rtlCol="0" anchor="ctr"/>
+          <a:lstStyle/>
+          <a:p>
+            <a:pPr algn="ctr"/>
+            <a:endParaRPr lang="en-US"/>
+          </a:p>
+        </p:txBody>
+      </p:sp>
+      <p:cxnSp>
+        <p:nvCxnSpPr>
+          <p:cNvPr id="31" name="Straight Arrow Connector 30">
+            <a:extLst>
+              <a:ext uri="{FF2B5EF4-FFF2-40B4-BE49-F238E27FC236}">
+                <a16:creationId xmlns:a16="http://schemas.microsoft.com/office/drawing/2014/main" id="{450D9D8B-3177-4557-9D7F-E26BDC9D07EB}"/>
+              </a:ext>
+            </a:extLst>
+          </p:cNvPr>
+          <p:cNvCxnSpPr>
+            <a:cxnSpLocks/>
+            <a:stCxn id="28" idx="2"/>
+            <a:endCxn id="30" idx="0"/>
+          </p:cNvCxnSpPr>
+          <p:nvPr/>
+        </p:nvCxnSpPr>
+        <p:spPr>
+          <a:xfrm>
+            <a:off x="6994128" y="4005063"/>
+            <a:ext cx="426945" cy="968661"/>
+          </a:xfrm>
+          <a:prstGeom prst="straightConnector1">
+            <a:avLst/>
+          </a:prstGeom>
+          <a:ln>
+            <a:tailEnd type="triangle"/>
+          </a:ln>
+        </p:spPr>
+        <p:style>
+          <a:lnRef idx="1">
+            <a:schemeClr val="accent1"/>
+          </a:lnRef>
+          <a:fillRef idx="0">
+            <a:schemeClr val="accent1"/>
+          </a:fillRef>
+          <a:effectRef idx="0">
+            <a:schemeClr val="accent1"/>
+          </a:effectRef>
+          <a:fontRef idx="minor">
+            <a:schemeClr val="tx1"/>
+          </a:fontRef>
+        </p:style>
+      </p:cxnSp>
+      <p:sp>
+        <p:nvSpPr>
+          <p:cNvPr id="35" name="Rectangle 34">
+            <a:extLst>
+              <a:ext uri="{FF2B5EF4-FFF2-40B4-BE49-F238E27FC236}">
+                <a16:creationId xmlns:a16="http://schemas.microsoft.com/office/drawing/2014/main" id="{F153BF9A-AD45-4F01-BE7B-D0A3C936593F}"/>
+              </a:ext>
+            </a:extLst>
+          </p:cNvPr>
+          <p:cNvSpPr/>
+          <p:nvPr/>
+        </p:nvSpPr>
+        <p:spPr>
+          <a:xfrm>
+            <a:off x="7421923" y="5081962"/>
+            <a:ext cx="758703" cy="122312"/>
+          </a:xfrm>
+          <a:prstGeom prst="rect">
+            <a:avLst/>
+          </a:prstGeom>
+          <a:noFill/>
+        </p:spPr>
+        <p:style>
+          <a:lnRef idx="2">
+            <a:schemeClr val="accent1">
+              <a:shade val="50000"/>
+            </a:schemeClr>
+          </a:lnRef>
+          <a:fillRef idx="1">
+            <a:schemeClr val="accent1"/>
+          </a:fillRef>
+          <a:effectRef idx="0">
+            <a:schemeClr val="accent1"/>
+          </a:effectRef>
+          <a:fontRef idx="minor">
+            <a:schemeClr val="lt1"/>
+          </a:fontRef>
+        </p:style>
+        <p:txBody>
+          <a:bodyPr rtlCol="0" anchor="ctr"/>
+          <a:lstStyle/>
+          <a:p>
+            <a:pPr algn="ctr"/>
+            <a:endParaRPr lang="en-US"/>
+          </a:p>
+        </p:txBody>
+      </p:sp>
+      <p:sp>
+        <p:nvSpPr>
+          <p:cNvPr id="36" name="Rectangle 35">
+            <a:extLst>
+              <a:ext uri="{FF2B5EF4-FFF2-40B4-BE49-F238E27FC236}">
+                <a16:creationId xmlns:a16="http://schemas.microsoft.com/office/drawing/2014/main" id="{143361BA-4C24-413C-A3C0-A8CADFA35606}"/>
+              </a:ext>
+            </a:extLst>
+          </p:cNvPr>
+          <p:cNvSpPr/>
+          <p:nvPr/>
+        </p:nvSpPr>
+        <p:spPr>
+          <a:xfrm>
+            <a:off x="6456324" y="4143390"/>
+            <a:ext cx="758327" cy="144016"/>
+          </a:xfrm>
+          <a:prstGeom prst="rect">
+            <a:avLst/>
+          </a:prstGeom>
+          <a:noFill/>
+        </p:spPr>
+        <p:style>
+          <a:lnRef idx="2">
+            <a:schemeClr val="accent1">
+              <a:shade val="50000"/>
+            </a:schemeClr>
+          </a:lnRef>
+          <a:fillRef idx="1">
+            <a:schemeClr val="accent1"/>
+          </a:fillRef>
+          <a:effectRef idx="0">
+            <a:schemeClr val="accent1"/>
+          </a:effectRef>
+          <a:fontRef idx="minor">
+            <a:schemeClr val="lt1"/>
+          </a:fontRef>
+        </p:style>
+        <p:txBody>
+          <a:bodyPr rtlCol="0" anchor="ctr"/>
+          <a:lstStyle/>
+          <a:p>
+            <a:pPr algn="ctr"/>
+            <a:endParaRPr lang="en-US"/>
+          </a:p>
+        </p:txBody>
+      </p:sp>
+      <p:cxnSp>
+        <p:nvCxnSpPr>
+          <p:cNvPr id="37" name="Straight Arrow Connector 36">
+            <a:extLst>
+              <a:ext uri="{FF2B5EF4-FFF2-40B4-BE49-F238E27FC236}">
+                <a16:creationId xmlns:a16="http://schemas.microsoft.com/office/drawing/2014/main" id="{FC5C50DE-B9DD-4BBC-B873-451A87005273}"/>
+              </a:ext>
+            </a:extLst>
+          </p:cNvPr>
+          <p:cNvCxnSpPr>
+            <a:cxnSpLocks/>
+            <a:stCxn id="36" idx="2"/>
+            <a:endCxn id="35" idx="0"/>
+          </p:cNvCxnSpPr>
+          <p:nvPr/>
+        </p:nvCxnSpPr>
+        <p:spPr>
+          <a:xfrm>
+            <a:off x="6835488" y="4287406"/>
+            <a:ext cx="965787" cy="794556"/>
+          </a:xfrm>
+          <a:prstGeom prst="straightConnector1">
+            <a:avLst/>
+          </a:prstGeom>
+          <a:ln>
+            <a:tailEnd type="triangle"/>
+          </a:ln>
+        </p:spPr>
+        <p:style>
+          <a:lnRef idx="1">
+            <a:schemeClr val="accent1"/>
+          </a:lnRef>
+          <a:fillRef idx="0">
+            <a:schemeClr val="accent1"/>
+          </a:fillRef>
+          <a:effectRef idx="0">
+            <a:schemeClr val="accent1"/>
+          </a:effectRef>
+          <a:fontRef idx="minor">
+            <a:schemeClr val="tx1"/>
+          </a:fontRef>
+        </p:style>
+      </p:cxnSp>
     </p:spTree>
     <p:extLst>
       <p:ext uri="{BB962C8B-B14F-4D97-AF65-F5344CB8AC3E}">
@@ -11256,7 +11666,7 @@
         </p:blipFill>
         <p:spPr>
           <a:xfrm>
-            <a:off x="4644008" y="1989479"/>
+            <a:off x="5181356" y="2015597"/>
             <a:ext cx="3505444" cy="2691245"/>
           </a:xfrm>
           <a:prstGeom prst="rect">
@@ -11291,8 +11701,8 @@
         </p:blipFill>
         <p:spPr>
           <a:xfrm>
-            <a:off x="755575" y="1989479"/>
-            <a:ext cx="3350829" cy="3527753"/>
+            <a:off x="482262" y="1858252"/>
+            <a:ext cx="4464496" cy="4700221"/>
           </a:xfrm>
           <a:prstGeom prst="rect">
             <a:avLst/>
@@ -11919,7 +12329,7 @@
                 </a:solidFill>
                 <a:latin typeface="+mj-lt"/>
               </a:rPr>
-              <a:t>withCouter</a:t>
+              <a:t>withCounter</a:t>
             </a:r>
             <a:r>
               <a:rPr lang="en-US" altLang="zh-TW" sz="1800" dirty="0">
@@ -12149,8 +12559,8 @@
         </p:nvSpPr>
         <p:spPr>
           <a:xfrm>
-            <a:off x="2311706" y="3911558"/>
-            <a:ext cx="2044270" cy="309529"/>
+            <a:off x="2311706" y="3996055"/>
+            <a:ext cx="2044270" cy="153025"/>
           </a:xfrm>
           <a:prstGeom prst="rect">
             <a:avLst/>
@@ -12576,8 +12986,8 @@
         </p:nvSpPr>
         <p:spPr>
           <a:xfrm>
-            <a:off x="6084168" y="1682793"/>
-            <a:ext cx="936104" cy="306047"/>
+            <a:off x="6145035" y="1690891"/>
+            <a:ext cx="936104" cy="288032"/>
           </a:xfrm>
           <a:prstGeom prst="rect">
             <a:avLst/>
@@ -12628,60 +13038,8 @@
         </p:nvSpPr>
         <p:spPr>
           <a:xfrm>
-            <a:off x="6084168" y="4826169"/>
-            <a:ext cx="1152128" cy="187007"/>
-          </a:xfrm>
-          <a:prstGeom prst="rect">
-            <a:avLst/>
-          </a:prstGeom>
-          <a:noFill/>
-          <a:ln>
-            <a:solidFill>
-              <a:srgbClr val="C00000"/>
-            </a:solidFill>
-          </a:ln>
-        </p:spPr>
-        <p:style>
-          <a:lnRef idx="2">
-            <a:schemeClr val="accent1">
-              <a:shade val="50000"/>
-            </a:schemeClr>
-          </a:lnRef>
-          <a:fillRef idx="1">
-            <a:schemeClr val="accent1"/>
-          </a:fillRef>
-          <a:effectRef idx="0">
-            <a:schemeClr val="accent1"/>
-          </a:effectRef>
-          <a:fontRef idx="minor">
-            <a:schemeClr val="lt1"/>
-          </a:fontRef>
-        </p:style>
-        <p:txBody>
-          <a:bodyPr rtlCol="0" anchor="ctr"/>
-          <a:lstStyle/>
-          <a:p>
-            <a:pPr algn="ctr"/>
-            <a:endParaRPr lang="en-US"/>
-          </a:p>
-        </p:txBody>
-      </p:sp>
-      <p:sp>
-        <p:nvSpPr>
-          <p:cNvPr id="12" name="Rectangle 11">
-            <a:extLst>
-              <a:ext uri="{FF2B5EF4-FFF2-40B4-BE49-F238E27FC236}">
-                <a16:creationId xmlns:a16="http://schemas.microsoft.com/office/drawing/2014/main" id="{B187ADA4-6185-4D5F-A2B7-612E160DAEDD}"/>
-              </a:ext>
-            </a:extLst>
-          </p:cNvPr>
-          <p:cNvSpPr/>
-          <p:nvPr/>
-        </p:nvSpPr>
-        <p:spPr>
-          <a:xfrm>
-            <a:off x="5796136" y="4365104"/>
-            <a:ext cx="1296144" cy="199307"/>
+            <a:off x="5652120" y="4293096"/>
+            <a:ext cx="2448272" cy="849035"/>
           </a:xfrm>
           <a:prstGeom prst="rect">
             <a:avLst/>
